--- a/EM03/EM03_print.pptx
+++ b/EM03/EM03_print.pptx
@@ -367,7 +367,7 @@
           <a:p>
             <a:fld id="{0F5249E7-E526-41BC-878D-DBB27AF3BCB6}" type="datetimeFigureOut">
               <a:rPr kumimoji="1" lang="ja-JP" altLang="en-US" smtClean="0"/>
-              <a:t>2025/8/26</a:t>
+              <a:t>2025/9/30</a:t>
             </a:fld>
             <a:endParaRPr kumimoji="1" lang="ja-JP" altLang="en-US"/>
           </a:p>
@@ -4366,6 +4366,11 @@
               <a:rPr kumimoji="1" lang="ja-JP" altLang="en-US" dirty="0"/>
               <a:t>ガリレオが行った思考実験</a:t>
             </a:r>
+            <a:r>
+              <a:rPr kumimoji="1" lang="en-US" altLang="ja-JP" dirty="0"/>
+              <a:t>-1</a:t>
+            </a:r>
+            <a:endParaRPr kumimoji="1" lang="ja-JP" altLang="en-US" dirty="0"/>
           </a:p>
         </p:txBody>
       </p:sp>
@@ -5307,6 +5312,11 @@
               <a:rPr kumimoji="1" lang="ja-JP" altLang="en-US" dirty="0"/>
               <a:t>ガリレオが行った思考実験</a:t>
             </a:r>
+            <a:r>
+              <a:rPr kumimoji="1" lang="en-US" altLang="ja-JP" dirty="0"/>
+              <a:t>-2</a:t>
+            </a:r>
+            <a:endParaRPr kumimoji="1" lang="ja-JP" altLang="en-US" dirty="0"/>
           </a:p>
         </p:txBody>
       </p:sp>

--- a/EM03/EM03_print.pptx
+++ b/EM03/EM03_print.pptx
@@ -200,8 +200,8 @@
         </p:nvSpPr>
         <p:spPr>
           <a:xfrm>
-            <a:off x="0" y="0"/>
-            <a:ext cx="7098348" cy="513080"/>
+            <a:off x="287383" y="287384"/>
+            <a:ext cx="6810966" cy="513080"/>
           </a:xfrm>
           <a:prstGeom prst="rect">
             <a:avLst/>
@@ -217,7 +217,7 @@
           <a:p>
             <a:pPr algn="l"/>
             <a:r>
-              <a:rPr kumimoji="1" lang="ja-JP" altLang="en-US">
+              <a:rPr kumimoji="1" lang="ja-JP" altLang="en-US" dirty="0">
                 <a:latin typeface="ヒカリ角ゴ Normal Heavy" panose="020B0400000000000000" charset="-128"/>
                 <a:ea typeface="ヒカリ角ゴ Normal Heavy" panose="020B0400000000000000" charset="-128"/>
                 <a:cs typeface="ヒカリ角ゴ Normal Heavy" panose="020B0400000000000000" charset="-128"/>
@@ -239,8 +239,8 @@
         </p:nvSpPr>
         <p:spPr>
           <a:xfrm>
-            <a:off x="4021936" y="9721850"/>
-            <a:ext cx="2965365" cy="513080"/>
+            <a:off x="3995810" y="9560058"/>
+            <a:ext cx="2783813" cy="513080"/>
           </a:xfrm>
           <a:prstGeom prst="rect">
             <a:avLst/>
@@ -367,7 +367,7 @@
           <a:p>
             <a:fld id="{0F5249E7-E526-41BC-878D-DBB27AF3BCB6}" type="datetimeFigureOut">
               <a:rPr kumimoji="1" lang="ja-JP" altLang="en-US" smtClean="0"/>
-              <a:t>2025/9/30</a:t>
+              <a:t>2025/10/1</a:t>
             </a:fld>
             <a:endParaRPr kumimoji="1" lang="ja-JP" altLang="en-US"/>
           </a:p>
@@ -9300,19 +9300,19 @@
               <a:buNone/>
             </a:pPr>
             <a:r>
-              <a:rPr lang="ja-JP" altLang="en-US"/>
-              <a:t>実験の結果との</a:t>
-            </a:r>
-            <a:r>
-              <a:rPr lang="ja-JP" altLang="en-US">
+              <a:rPr lang="ja-JP" altLang="en-US" dirty="0"/>
+              <a:t>「知りたいこと」と「結果」を</a:t>
+            </a:r>
+            <a:r>
+              <a:rPr lang="ja-JP" altLang="en-US" dirty="0">
                 <a:solidFill>
                   <a:schemeClr val="accent6"/>
                 </a:solidFill>
               </a:rPr>
-              <a:t>因果関係を結びつけるための実験方法</a:t>
-            </a:r>
-            <a:r>
-              <a:rPr lang="ja-JP" altLang="en-US"/>
+              <a:t>結びつけるための実験方法</a:t>
+            </a:r>
+            <a:r>
+              <a:rPr lang="ja-JP" altLang="en-US" dirty="0"/>
               <a:t>を答えよ．</a:t>
             </a:r>
           </a:p>
@@ -11609,9 +11609,14 @@
           <a:lstStyle/>
           <a:p>
             <a:r>
-              <a:rPr kumimoji="1" lang="ja-JP" altLang="en-US"/>
+              <a:rPr kumimoji="1" lang="ja-JP" altLang="en-US" dirty="0"/>
               <a:t>ガリレオが行った思考実験</a:t>
             </a:r>
+            <a:r>
+              <a:rPr kumimoji="1" lang="en-US" altLang="ja-JP" dirty="0"/>
+              <a:t>-0</a:t>
+            </a:r>
+            <a:endParaRPr kumimoji="1" lang="ja-JP" altLang="en-US" dirty="0"/>
           </a:p>
         </p:txBody>
       </p:sp>

--- a/EM03/EM03_print.pptx
+++ b/EM03/EM03_print.pptx
@@ -1,46 +1,52 @@
 
 <file path=ppt/presentation.xml><?xml version="1.0" encoding="utf-8"?>
-<p:presentation xmlns:a="http://schemas.openxmlformats.org/drawingml/2006/main" xmlns:r="http://schemas.openxmlformats.org/officeDocument/2006/relationships" xmlns:p="http://schemas.openxmlformats.org/presentationml/2006/main" removePersonalInfoOnSave="1">
+<p:presentation xmlns:a="http://schemas.openxmlformats.org/drawingml/2006/main" xmlns:r="http://schemas.openxmlformats.org/officeDocument/2006/relationships" xmlns:p="http://schemas.openxmlformats.org/presentationml/2006/main" removePersonalInfoOnSave="1" embedTrueTypeFonts="1" saveSubsetFonts="1">
   <p:sldMasterIdLst>
     <p:sldMasterId id="2147483648" r:id="rId1"/>
   </p:sldMasterIdLst>
   <p:notesMasterIdLst>
-    <p:notesMasterId r:id="rId29"/>
+    <p:notesMasterId r:id="rId30"/>
   </p:notesMasterIdLst>
   <p:handoutMasterIdLst>
-    <p:handoutMasterId r:id="rId30"/>
+    <p:handoutMasterId r:id="rId31"/>
   </p:handoutMasterIdLst>
   <p:sldIdLst>
-    <p:sldId id="390" r:id="rId2"/>
-    <p:sldId id="446" r:id="rId3"/>
-    <p:sldId id="447" r:id="rId4"/>
-    <p:sldId id="337" r:id="rId5"/>
-    <p:sldId id="478" r:id="rId6"/>
-    <p:sldId id="450" r:id="rId7"/>
-    <p:sldId id="451" r:id="rId8"/>
-    <p:sldId id="452" r:id="rId9"/>
-    <p:sldId id="479" r:id="rId10"/>
-    <p:sldId id="335" r:id="rId11"/>
-    <p:sldId id="509" r:id="rId12"/>
-    <p:sldId id="462" r:id="rId13"/>
-    <p:sldId id="327" r:id="rId14"/>
-    <p:sldId id="481" r:id="rId15"/>
-    <p:sldId id="482" r:id="rId16"/>
-    <p:sldId id="483" r:id="rId17"/>
-    <p:sldId id="463" r:id="rId18"/>
-    <p:sldId id="501" r:id="rId19"/>
-    <p:sldId id="502" r:id="rId20"/>
-    <p:sldId id="495" r:id="rId21"/>
-    <p:sldId id="504" r:id="rId22"/>
-    <p:sldId id="505" r:id="rId23"/>
-    <p:sldId id="506" r:id="rId24"/>
-    <p:sldId id="507" r:id="rId25"/>
-    <p:sldId id="508" r:id="rId26"/>
-    <p:sldId id="503" r:id="rId27"/>
-    <p:sldId id="460" r:id="rId28"/>
+    <p:sldId id="390" r:id="rId3"/>
+    <p:sldId id="446" r:id="rId4"/>
+    <p:sldId id="447" r:id="rId5"/>
+    <p:sldId id="337" r:id="rId6"/>
+    <p:sldId id="478" r:id="rId7"/>
+    <p:sldId id="450" r:id="rId8"/>
+    <p:sldId id="451" r:id="rId9"/>
+    <p:sldId id="452" r:id="rId10"/>
+    <p:sldId id="479" r:id="rId11"/>
+    <p:sldId id="335" r:id="rId12"/>
+    <p:sldId id="509" r:id="rId13"/>
+    <p:sldId id="462" r:id="rId14"/>
+    <p:sldId id="327" r:id="rId15"/>
+    <p:sldId id="481" r:id="rId16"/>
+    <p:sldId id="482" r:id="rId17"/>
+    <p:sldId id="483" r:id="rId18"/>
+    <p:sldId id="463" r:id="rId19"/>
+    <p:sldId id="501" r:id="rId20"/>
+    <p:sldId id="502" r:id="rId21"/>
+    <p:sldId id="495" r:id="rId22"/>
+    <p:sldId id="504" r:id="rId23"/>
+    <p:sldId id="505" r:id="rId24"/>
+    <p:sldId id="506" r:id="rId25"/>
+    <p:sldId id="507" r:id="rId26"/>
+    <p:sldId id="508" r:id="rId27"/>
+    <p:sldId id="503" r:id="rId28"/>
+    <p:sldId id="460" r:id="rId29"/>
   </p:sldIdLst>
   <p:sldSz cx="9906000" cy="6858000" type="A4"/>
-  <p:notesSz cx="7099300" cy="10234613"/>
+  <p:notesSz cx="7099300" cy="10234295"/>
+  <p:embeddedFontLst>
+    <p:embeddedFont>
+      <p:font typeface="游ゴシック" panose="020B0400000000000000" charset="-128"/>
+      <p:regular r:id="rId35"/>
+    </p:embeddedFont>
+  </p:embeddedFontLst>
   <p:defaultTextStyle>
     <a:defPPr>
       <a:defRPr lang="en-US"/>
@@ -136,34 +142,7 @@
       </a:defRPr>
     </a:lvl9pPr>
   </p:defaultTextStyle>
-  <p:extLst>
-    <p:ext uri="{EFAFB233-063F-42B5-8137-9DF3F51BA10A}">
-      <p15:sldGuideLst xmlns:p15="http://schemas.microsoft.com/office/powerpoint/2012/main">
-        <p15:guide id="1" orient="horz" pos="1440">
-          <p15:clr>
-            <a:srgbClr val="A4A3A4"/>
-          </p15:clr>
-        </p15:guide>
-        <p15:guide id="2" pos="1560">
-          <p15:clr>
-            <a:srgbClr val="A4A3A4"/>
-          </p15:clr>
-        </p15:guide>
-      </p15:sldGuideLst>
-    </p:ext>
-    <p:ext uri="{2D200454-40CA-4A62-9FC3-DE9A4176ACB9}">
-      <p15:notesGuideLst xmlns:p15="http://schemas.microsoft.com/office/powerpoint/2012/main"/>
-    </p:ext>
-  </p:extLst>
 </p:presentation>
-</file>
-
-<file path=ppt/revisionInfo.xml><?xml version="1.0" encoding="utf-8"?>
-<p1510:revInfo xmlns:a="http://schemas.openxmlformats.org/drawingml/2006/main" xmlns:r="http://schemas.openxmlformats.org/officeDocument/2006/relationships" xmlns:p1510="http://schemas.microsoft.com/office/powerpoint/2015/10/main">
-  <p1510:revLst>
-    <p1510:client id="{26E91531-9191-425A-87C2-8AA4CDED2396}" v="90" dt="2025-08-25T18:52:37.050"/>
-  </p1510:revLst>
-</p1510:revInfo>
 </file>
 
 <file path=ppt/handoutMasters/handoutMaster1.xml><?xml version="1.0" encoding="utf-8"?>
@@ -224,6 +203,11 @@
               </a:rPr>
               <a:t>中学物理 ～実験の基本思考～</a:t>
             </a:r>
+            <a:endParaRPr kumimoji="1" lang="ja-JP" altLang="en-US" dirty="0">
+              <a:latin typeface="ヒカリ角ゴ Normal Heavy" panose="020B0400000000000000" charset="-128"/>
+              <a:ea typeface="ヒカリ角ゴ Normal Heavy" panose="020B0400000000000000" charset="-128"/>
+              <a:cs typeface="ヒカリ角ゴ Normal Heavy" panose="020B0400000000000000" charset="-128"/>
+            </a:endParaRPr>
           </a:p>
         </p:txBody>
       </p:sp>
@@ -264,7 +248,6 @@
                 <a:latin typeface="Pretendard JP Black" panose="02000A03000000020004" charset="-128"/>
                 <a:ea typeface="Pretendard JP Black" panose="02000A03000000020004" charset="-128"/>
               </a:rPr>
-              <a:t>‹#›</a:t>
             </a:fld>
             <a:endParaRPr kumimoji="1" lang="ja-JP" altLang="en-US">
               <a:latin typeface="Pretendard JP Black" panose="02000A03000000020004" charset="-128"/>
@@ -274,11 +257,6 @@
         </p:txBody>
       </p:sp>
     </p:spTree>
-    <p:extLst>
-      <p:ext uri="{BB962C8B-B14F-4D97-AF65-F5344CB8AC3E}">
-        <p14:creationId xmlns:p14="http://schemas.microsoft.com/office/powerpoint/2010/main" val="1"/>
-      </p:ext>
-    </p:extLst>
   </p:cSld>
   <p:clrMap bg1="lt1" tx1="dk1" bg2="lt2" tx2="dk2" accent1="accent1" accent2="accent2" accent3="accent3" accent4="accent4" accent5="accent5" accent6="accent6" hlink="hlink" folHlink="folHlink"/>
   <p:hf hdr="0" ftr="0" dt="0"/>
@@ -367,7 +345,6 @@
           <a:p>
             <a:fld id="{0F5249E7-E526-41BC-878D-DBB27AF3BCB6}" type="datetimeFigureOut">
               <a:rPr kumimoji="1" lang="ja-JP" altLang="en-US" smtClean="0"/>
-              <a:t>2025/10/1</a:t>
             </a:fld>
             <a:endParaRPr kumimoji="1" lang="ja-JP" altLang="en-US"/>
           </a:p>
@@ -434,6 +411,7 @@
               <a:rPr kumimoji="1" lang="ja-JP" altLang="en-US"/>
               <a:t>マスター テキストの書式設定</a:t>
             </a:r>
+            <a:endParaRPr kumimoji="1" lang="ja-JP" altLang="en-US"/>
           </a:p>
           <a:p>
             <a:pPr lvl="1"/>
@@ -449,6 +427,7 @@
               <a:rPr kumimoji="1" lang="ja-JP" altLang="en-US"/>
               <a:t>レベル</a:t>
             </a:r>
+            <a:endParaRPr kumimoji="1" lang="ja-JP" altLang="en-US"/>
           </a:p>
           <a:p>
             <a:pPr lvl="2"/>
@@ -464,6 +443,7 @@
               <a:rPr kumimoji="1" lang="ja-JP" altLang="en-US"/>
               <a:t>レベル</a:t>
             </a:r>
+            <a:endParaRPr kumimoji="1" lang="ja-JP" altLang="en-US"/>
           </a:p>
           <a:p>
             <a:pPr lvl="3"/>
@@ -479,6 +459,7 @@
               <a:rPr kumimoji="1" lang="ja-JP" altLang="en-US"/>
               <a:t>レベル</a:t>
             </a:r>
+            <a:endParaRPr kumimoji="1" lang="ja-JP" altLang="en-US"/>
           </a:p>
           <a:p>
             <a:pPr lvl="4"/>
@@ -494,6 +475,7 @@
               <a:rPr kumimoji="1" lang="ja-JP" altLang="en-US"/>
               <a:t>レベル</a:t>
             </a:r>
+            <a:endParaRPr kumimoji="1" lang="ja-JP" altLang="en-US"/>
           </a:p>
         </p:txBody>
       </p:sp>
@@ -557,7 +539,6 @@
           <a:p>
             <a:fld id="{79E39443-4C2A-4AA4-9DFB-12BD22F5BBC2}" type="slidenum">
               <a:rPr kumimoji="1" lang="ja-JP" altLang="en-US" smtClean="0"/>
-              <a:t>‹#›</a:t>
             </a:fld>
             <a:endParaRPr kumimoji="1" lang="ja-JP" altLang="en-US"/>
           </a:p>
@@ -712,6 +693,7 @@
               <a:rPr kumimoji="1" lang="ja-JP" altLang="en-US"/>
               <a:t>（タイトル）</a:t>
             </a:r>
+            <a:endParaRPr kumimoji="1" lang="ja-JP" altLang="en-US"/>
           </a:p>
         </p:txBody>
       </p:sp>
@@ -883,6 +865,7 @@
               <a:rPr kumimoji="1" lang="ja-JP" altLang="en-US"/>
               <a:t>（名前）</a:t>
             </a:r>
+            <a:endParaRPr kumimoji="1" lang="ja-JP" altLang="en-US"/>
           </a:p>
         </p:txBody>
       </p:sp>
@@ -940,6 +923,7 @@
               <a:rPr kumimoji="1" lang="ja-JP" altLang="en-US"/>
               <a:t>（所属）</a:t>
             </a:r>
+            <a:endParaRPr kumimoji="1" lang="ja-JP" altLang="en-US"/>
           </a:p>
         </p:txBody>
       </p:sp>
@@ -1365,6 +1349,7 @@
               <a:rPr lang="ja-JP" altLang="en-US"/>
               <a:t>（タイトル）</a:t>
             </a:r>
+            <a:endParaRPr lang="ja-JP" altLang="en-US"/>
           </a:p>
         </p:txBody>
       </p:sp>
@@ -1531,6 +1516,7 @@
               <a:rPr lang="ja-JP" altLang="en-US"/>
               <a:t>（サブタイトル）</a:t>
             </a:r>
+            <a:endParaRPr lang="ja-JP" altLang="en-US"/>
           </a:p>
         </p:txBody>
       </p:sp>
@@ -1592,6 +1578,7 @@
               <a:rPr kumimoji="1" lang="ja-JP" altLang="en-US"/>
               <a:t>（タイトル）</a:t>
             </a:r>
+            <a:endParaRPr kumimoji="1" lang="ja-JP" altLang="en-US"/>
           </a:p>
         </p:txBody>
       </p:sp>
@@ -1685,6 +1672,13 @@
               </a:rPr>
               <a:t>目次</a:t>
             </a:r>
+            <a:endParaRPr lang="ja-JP" altLang="en-US" sz="4390" b="0">
+              <a:solidFill>
+                <a:srgbClr val="222222"/>
+              </a:solidFill>
+              <a:latin typeface="+mn-ea"/>
+              <a:ea typeface="+mn-ea"/>
+            </a:endParaRPr>
           </a:p>
         </p:txBody>
       </p:sp>
@@ -1887,6 +1881,7 @@
               <a:rPr kumimoji="1" lang="ja-JP" altLang="en-US"/>
               <a:t>（タイトル）</a:t>
             </a:r>
+            <a:endParaRPr kumimoji="1" lang="ja-JP" altLang="en-US"/>
           </a:p>
         </p:txBody>
       </p:sp>
@@ -1923,6 +1918,7 @@
               <a:rPr kumimoji="1" lang="ja-JP" altLang="en-US"/>
               <a:t>（タイトル）</a:t>
             </a:r>
+            <a:endParaRPr kumimoji="1" lang="ja-JP" altLang="en-US"/>
           </a:p>
         </p:txBody>
       </p:sp>
@@ -1982,7 +1978,6 @@
           <a:p>
             <a:fld id="{6408349E-6932-463E-ABE1-6FC2A2453113}" type="slidenum">
               <a:rPr kumimoji="1" lang="ja-JP" altLang="en-US" smtClean="0"/>
-              <a:t>‹#›</a:t>
             </a:fld>
             <a:endParaRPr kumimoji="1" lang="ja-JP" altLang="en-US"/>
           </a:p>
@@ -2024,6 +2019,7 @@
               <a:rPr kumimoji="1" lang="ja-JP" altLang="en-US"/>
               <a:t>（内容）</a:t>
             </a:r>
+            <a:endParaRPr kumimoji="1" lang="ja-JP" altLang="en-US"/>
           </a:p>
         </p:txBody>
       </p:sp>
@@ -2064,6 +2060,7 @@
               <a:rPr kumimoji="1" lang="ja-JP" altLang="en-US"/>
               <a:t>（タイトル）</a:t>
             </a:r>
+            <a:endParaRPr kumimoji="1" lang="ja-JP" altLang="en-US"/>
           </a:p>
         </p:txBody>
       </p:sp>
@@ -2176,6 +2173,7 @@
               <a:rPr kumimoji="1" lang="ja-JP" altLang="en-US"/>
               <a:t>）</a:t>
             </a:r>
+            <a:endParaRPr kumimoji="1" lang="ja-JP" altLang="en-US"/>
           </a:p>
         </p:txBody>
       </p:sp>
@@ -2262,7 +2260,6 @@
           <a:p>
             <a:fld id="{6408349E-6932-463E-ABE1-6FC2A2453113}" type="slidenum">
               <a:rPr kumimoji="1" lang="ja-JP" altLang="en-US" smtClean="0"/>
-              <a:t>‹#›</a:t>
             </a:fld>
             <a:endParaRPr kumimoji="1" lang="ja-JP" altLang="en-US"/>
           </a:p>
@@ -2304,6 +2301,7 @@
               <a:rPr kumimoji="1" lang="ja-JP" altLang="en-US"/>
               <a:t>（内容）</a:t>
             </a:r>
+            <a:endParaRPr kumimoji="1" lang="ja-JP" altLang="en-US"/>
           </a:p>
         </p:txBody>
       </p:sp>
@@ -2344,6 +2342,7 @@
               <a:rPr kumimoji="1" lang="ja-JP" altLang="en-US"/>
               <a:t>（タイトル）</a:t>
             </a:r>
+            <a:endParaRPr kumimoji="1" lang="ja-JP" altLang="en-US"/>
           </a:p>
         </p:txBody>
       </p:sp>
@@ -2456,6 +2455,7 @@
               <a:rPr kumimoji="1" lang="ja-JP" altLang="en-US"/>
               <a:t>）</a:t>
             </a:r>
+            <a:endParaRPr kumimoji="1" lang="ja-JP" altLang="en-US"/>
           </a:p>
         </p:txBody>
       </p:sp>
@@ -2571,7 +2571,6 @@
           <a:p>
             <a:fld id="{6408349E-6932-463E-ABE1-6FC2A2453113}" type="slidenum">
               <a:rPr kumimoji="1" lang="ja-JP" altLang="en-US" smtClean="0"/>
-              <a:t>‹#›</a:t>
             </a:fld>
             <a:endParaRPr kumimoji="1" lang="ja-JP" altLang="en-US"/>
           </a:p>
@@ -2654,6 +2653,7 @@
               <a:rPr kumimoji="1" lang="ja-JP" altLang="en-US"/>
               <a:t>（タイトル）</a:t>
             </a:r>
+            <a:endParaRPr kumimoji="1" lang="ja-JP" altLang="en-US"/>
           </a:p>
         </p:txBody>
       </p:sp>
@@ -2766,6 +2766,7 @@
               <a:rPr kumimoji="1" lang="ja-JP" altLang="en-US"/>
               <a:t>）</a:t>
             </a:r>
+            <a:endParaRPr kumimoji="1" lang="ja-JP" altLang="en-US"/>
           </a:p>
         </p:txBody>
       </p:sp>
@@ -2851,7 +2852,6 @@
           <a:p>
             <a:fld id="{6408349E-6932-463E-ABE1-6FC2A2453113}" type="slidenum">
               <a:rPr kumimoji="1" lang="ja-JP" altLang="en-US" smtClean="0"/>
-              <a:t>‹#›</a:t>
             </a:fld>
             <a:endParaRPr kumimoji="1" lang="ja-JP" altLang="en-US"/>
           </a:p>
@@ -2894,6 +2894,7 @@
               <a:rPr kumimoji="1" lang="ja-JP" altLang="en-US"/>
               <a:t>（タイトル）</a:t>
             </a:r>
+            <a:endParaRPr kumimoji="1" lang="ja-JP" altLang="en-US"/>
           </a:p>
         </p:txBody>
       </p:sp>
@@ -2932,6 +2933,7 @@
               <a:rPr kumimoji="1" lang="ja-JP" altLang="en-US"/>
               <a:t>（内容）</a:t>
             </a:r>
+            <a:endParaRPr kumimoji="1" lang="ja-JP" altLang="en-US"/>
           </a:p>
         </p:txBody>
       </p:sp>
@@ -2982,6 +2984,7 @@
               <a:rPr kumimoji="1" lang="ja-JP" altLang="en-US"/>
               <a:t>）</a:t>
             </a:r>
+            <a:endParaRPr kumimoji="1" lang="ja-JP" altLang="en-US"/>
           </a:p>
         </p:txBody>
       </p:sp>
@@ -3145,6 +3148,7 @@
               <a:rPr lang="ja-JP" altLang="en-US"/>
               <a:t>（終）</a:t>
             </a:r>
+            <a:endParaRPr lang="ja-JP" altLang="en-US"/>
           </a:p>
         </p:txBody>
       </p:sp>
@@ -3175,13 +3179,7 @@
       </p:grpSpPr>
       <p:sp>
         <p:nvSpPr>
-          <p:cNvPr id="6" name="テキスト プレースホルダー 5">
-            <a:extLst>
-              <a:ext uri="{FF2B5EF4-FFF2-40B4-BE49-F238E27FC236}">
-                <a16:creationId xmlns:a16="http://schemas.microsoft.com/office/drawing/2014/main" id="{65429B45-9F93-27EB-62DC-23964D2D4452}"/>
-              </a:ext>
-            </a:extLst>
-          </p:cNvPr>
+          <p:cNvPr id="6" name="テキスト プレースホルダー 5"/>
           <p:cNvSpPr>
             <a:spLocks noGrp="1"/>
           </p:cNvSpPr>
@@ -3214,18 +3212,13 @@
               <a:rPr kumimoji="1" lang="ja-JP" altLang="en-US"/>
               <a:t>（内容）</a:t>
             </a:r>
-          </a:p>
-        </p:txBody>
-      </p:sp>
-      <p:sp>
-        <p:nvSpPr>
-          <p:cNvPr id="16" name="テキスト プレースホルダー 15">
-            <a:extLst>
-              <a:ext uri="{FF2B5EF4-FFF2-40B4-BE49-F238E27FC236}">
-                <a16:creationId xmlns:a16="http://schemas.microsoft.com/office/drawing/2014/main" id="{C70A53EF-E7EC-95B8-DF3A-83D09F5CC009}"/>
-              </a:ext>
-            </a:extLst>
-          </p:cNvPr>
+            <a:endParaRPr kumimoji="1" lang="ja-JP" altLang="en-US"/>
+          </a:p>
+        </p:txBody>
+      </p:sp>
+      <p:sp>
+        <p:nvSpPr>
+          <p:cNvPr id="16" name="テキスト プレースホルダー 15"/>
           <p:cNvSpPr>
             <a:spLocks noGrp="1"/>
           </p:cNvSpPr>
@@ -3277,18 +3270,13 @@
               <a:rPr kumimoji="1" lang="ja-JP" altLang="en-US"/>
               <a:t>（サブタイトル）</a:t>
             </a:r>
-          </a:p>
-        </p:txBody>
-      </p:sp>
-      <p:sp>
-        <p:nvSpPr>
-          <p:cNvPr id="13" name="タイトル 2">
-            <a:extLst>
-              <a:ext uri="{FF2B5EF4-FFF2-40B4-BE49-F238E27FC236}">
-                <a16:creationId xmlns:a16="http://schemas.microsoft.com/office/drawing/2014/main" id="{4E335B14-1B39-F44D-D009-78A0A022A56C}"/>
-              </a:ext>
-            </a:extLst>
-          </p:cNvPr>
+            <a:endParaRPr kumimoji="1" lang="ja-JP" altLang="en-US"/>
+          </a:p>
+        </p:txBody>
+      </p:sp>
+      <p:sp>
+        <p:nvSpPr>
+          <p:cNvPr id="13" name="タイトル 2"/>
           <p:cNvSpPr>
             <a:spLocks noGrp="1"/>
           </p:cNvSpPr>
@@ -3323,21 +3311,14 @@
               <a:rPr kumimoji="1" lang="ja-JP" altLang="en-US"/>
               <a:t>（タイトル）</a:t>
             </a:r>
+            <a:endParaRPr kumimoji="1" lang="ja-JP" altLang="en-US"/>
           </a:p>
         </p:txBody>
       </p:sp>
       <p:cxnSp>
         <p:nvCxnSpPr>
-          <p:cNvPr id="14" name="直線コネクタ 13">
-            <a:extLst>
-              <a:ext uri="{FF2B5EF4-FFF2-40B4-BE49-F238E27FC236}">
-                <a16:creationId xmlns:a16="http://schemas.microsoft.com/office/drawing/2014/main" id="{71168D24-BE76-7146-D29A-A6FA4823975E}"/>
-              </a:ext>
-            </a:extLst>
-          </p:cNvPr>
-          <p:cNvCxnSpPr>
-            <a:cxnSpLocks/>
-          </p:cNvCxnSpPr>
+          <p:cNvPr id="14" name="直線コネクタ 13"/>
+          <p:cNvCxnSpPr/>
           <p:nvPr/>
         </p:nvCxnSpPr>
         <p:spPr>
@@ -3398,13 +3379,7 @@
       </p:cxnSp>
       <p:cxnSp>
         <p:nvCxnSpPr>
-          <p:cNvPr id="17" name="Google Shape;146;p21">
-            <a:extLst>
-              <a:ext uri="{FF2B5EF4-FFF2-40B4-BE49-F238E27FC236}">
-                <a16:creationId xmlns:a16="http://schemas.microsoft.com/office/drawing/2014/main" id="{C5F8DBA6-072D-66AB-C2DD-1E2533B620F3}"/>
-              </a:ext>
-            </a:extLst>
-          </p:cNvPr>
+          <p:cNvPr id="17" name="Google Shape;146;p21"/>
           <p:cNvCxnSpPr/>
           <p:nvPr/>
         </p:nvCxnSpPr>
@@ -3430,13 +3405,7 @@
       </p:cxnSp>
       <p:sp>
         <p:nvSpPr>
-          <p:cNvPr id="3" name="テキスト プレースホルダー 11">
-            <a:extLst>
-              <a:ext uri="{FF2B5EF4-FFF2-40B4-BE49-F238E27FC236}">
-                <a16:creationId xmlns:a16="http://schemas.microsoft.com/office/drawing/2014/main" id="{673F2A49-0F9F-A740-A77C-01775AA0B965}"/>
-              </a:ext>
-            </a:extLst>
-          </p:cNvPr>
+          <p:cNvPr id="3" name="テキスト プレースホルダー 11"/>
           <p:cNvSpPr>
             <a:spLocks noGrp="1"/>
           </p:cNvSpPr>
@@ -3481,18 +3450,13 @@
               <a:rPr kumimoji="1" lang="ja-JP" altLang="en-US"/>
               <a:t>）</a:t>
             </a:r>
-          </a:p>
-        </p:txBody>
-      </p:sp>
-      <p:sp>
-        <p:nvSpPr>
-          <p:cNvPr id="4" name="テキスト プレースホルダー 11">
-            <a:extLst>
-              <a:ext uri="{FF2B5EF4-FFF2-40B4-BE49-F238E27FC236}">
-                <a16:creationId xmlns:a16="http://schemas.microsoft.com/office/drawing/2014/main" id="{9FD305A1-D95A-F1D9-5FC6-6D21D043E911}"/>
-              </a:ext>
-            </a:extLst>
-          </p:cNvPr>
+            <a:endParaRPr kumimoji="1" lang="ja-JP" altLang="en-US"/>
+          </a:p>
+        </p:txBody>
+      </p:sp>
+      <p:sp>
+        <p:nvSpPr>
+          <p:cNvPr id="4" name="テキスト プレースホルダー 11"/>
           <p:cNvSpPr>
             <a:spLocks noGrp="1"/>
           </p:cNvSpPr>
@@ -3529,18 +3493,13 @@
               <a:rPr kumimoji="1" lang="ja-JP" altLang="en-US"/>
               <a:t>名前の入力</a:t>
             </a:r>
-          </a:p>
-        </p:txBody>
-      </p:sp>
-      <p:sp>
-        <p:nvSpPr>
-          <p:cNvPr id="8" name="スライド番号プレースホルダー 7">
-            <a:extLst>
-              <a:ext uri="{FF2B5EF4-FFF2-40B4-BE49-F238E27FC236}">
-                <a16:creationId xmlns:a16="http://schemas.microsoft.com/office/drawing/2014/main" id="{5E2AAA37-2125-4324-A4EE-2D884FE2E147}"/>
-              </a:ext>
-            </a:extLst>
-          </p:cNvPr>
+            <a:endParaRPr kumimoji="1" lang="ja-JP" altLang="en-US"/>
+          </a:p>
+        </p:txBody>
+      </p:sp>
+      <p:sp>
+        <p:nvSpPr>
+          <p:cNvPr id="8" name="スライド番号プレースホルダー 7"/>
           <p:cNvSpPr>
             <a:spLocks noGrp="1"/>
           </p:cNvSpPr>
@@ -3569,19 +3528,12 @@
           <a:p>
             <a:fld id="{6408349E-6932-463E-ABE1-6FC2A2453113}" type="slidenum">
               <a:rPr kumimoji="1" lang="ja-JP" altLang="en-US" smtClean="0"/>
-              <a:pPr/>
-              <a:t>‹#›</a:t>
             </a:fld>
             <a:endParaRPr kumimoji="1" lang="ja-JP" altLang="en-US"/>
           </a:p>
         </p:txBody>
       </p:sp>
     </p:spTree>
-    <p:extLst>
-      <p:ext uri="{BB962C8B-B14F-4D97-AF65-F5344CB8AC3E}">
-        <p14:creationId xmlns:p14="http://schemas.microsoft.com/office/powerpoint/2010/main" val="163883643"/>
-      </p:ext>
-    </p:extLst>
   </p:cSld>
   <p:clrMapOvr>
     <a:masterClrMapping/>
@@ -3923,9 +3875,8 @@
           <a:p>
             <a:fld id="{6408349E-6932-463E-ABE1-6FC2A2453113}" type="slidenum">
               <a:rPr kumimoji="1" lang="ja-JP" altLang="en-US" smtClean="0"/>
-              <a:t>1</a:t>
             </a:fld>
-            <a:endParaRPr kumimoji="1" lang="ja-JP" altLang="en-US"/>
+            <a:endParaRPr kumimoji="1" lang="ja-JP" altLang="en-US" dirty="0"/>
           </a:p>
         </p:txBody>
       </p:sp>
@@ -3951,22 +3902,29 @@
               <a:buNone/>
             </a:pPr>
             <a:r>
-              <a:rPr lang="ja-JP" altLang="en-US" sz="6600"/>
+              <a:rPr lang="ja-JP" altLang="en-US" sz="6600" dirty="0">
+                <a:latin typeface="+mn-ea"/>
+              </a:rPr>
               <a:t>風船の上に本を乗せて，</a:t>
             </a:r>
             <a:r>
-              <a:rPr lang="ja-JP" altLang="en-US" sz="6600">
+              <a:rPr lang="ja-JP" altLang="en-US" sz="6600" dirty="0">
                 <a:solidFill>
                   <a:schemeClr val="accent6"/>
                 </a:solidFill>
+                <a:latin typeface="+mn-ea"/>
               </a:rPr>
               <a:t>風船にかかる力</a:t>
             </a:r>
             <a:r>
-              <a:rPr lang="ja-JP" altLang="en-US" sz="6600"/>
+              <a:rPr lang="ja-JP" altLang="en-US" sz="6600" dirty="0">
+                <a:latin typeface="+mn-ea"/>
+              </a:rPr>
               <a:t>を考えた．</a:t>
             </a:r>
-            <a:endParaRPr lang="en-US" altLang="ja-JP" sz="6600"/>
+            <a:endParaRPr lang="en-US" altLang="ja-JP" sz="6600" dirty="0">
+              <a:latin typeface="+mn-ea"/>
+            </a:endParaRPr>
           </a:p>
         </p:txBody>
       </p:sp>
@@ -3986,9 +3944,14 @@
           <a:lstStyle/>
           <a:p>
             <a:r>
-              <a:rPr kumimoji="1" lang="ja-JP" altLang="en-US" sz="4000"/>
+              <a:rPr kumimoji="1" lang="ja-JP" altLang="en-US" sz="4000" dirty="0">
+                <a:latin typeface="+mn-ea"/>
+              </a:rPr>
               <a:t>前々回の実験</a:t>
             </a:r>
+            <a:endParaRPr kumimoji="1" lang="ja-JP" altLang="en-US" sz="4000" dirty="0">
+              <a:latin typeface="+mn-ea"/>
+            </a:endParaRPr>
           </a:p>
         </p:txBody>
       </p:sp>
@@ -4073,7 +4036,7 @@
             </a:r>
             <a:r>
               <a:rPr lang="en-US" altLang="ja-JP">
-                <a:hlinkClick r:id="rId2"/>
+                <a:hlinkClick r:id="rId1"/>
               </a:rPr>
               <a:t>https://youtu.be/E43-CfukEgs?t=86</a:t>
             </a:r>
@@ -4195,7 +4158,6 @@
           <a:p>
             <a:fld id="{6408349E-6932-463E-ABE1-6FC2A2453113}" type="slidenum">
               <a:rPr kumimoji="1" lang="ja-JP" altLang="en-US" smtClean="0"/>
-              <a:t>10</a:t>
             </a:fld>
             <a:endParaRPr kumimoji="1" lang="ja-JP" altLang="en-US"/>
           </a:p>
@@ -4214,13 +4176,7 @@
   <p:cSld>
     <p:spTree>
       <p:nvGrpSpPr>
-        <p:cNvPr id="1" name="">
-          <a:extLst>
-            <a:ext uri="{FF2B5EF4-FFF2-40B4-BE49-F238E27FC236}">
-              <a16:creationId xmlns:a16="http://schemas.microsoft.com/office/drawing/2014/main" id="{7D52627E-5D69-1087-B7D1-8D5A444CE531}"/>
-            </a:ext>
-          </a:extLst>
-        </p:cNvPr>
+        <p:cNvPr id="1" name=""/>
         <p:cNvGrpSpPr/>
         <p:nvPr/>
       </p:nvGrpSpPr>
@@ -4234,13 +4190,7 @@
       </p:grpSpPr>
       <p:sp>
         <p:nvSpPr>
-          <p:cNvPr id="27" name="楕円 26">
-            <a:extLst>
-              <a:ext uri="{FF2B5EF4-FFF2-40B4-BE49-F238E27FC236}">
-                <a16:creationId xmlns:a16="http://schemas.microsoft.com/office/drawing/2014/main" id="{910C2195-0341-2878-5597-B265FCF538DD}"/>
-              </a:ext>
-            </a:extLst>
-          </p:cNvPr>
+          <p:cNvPr id="27" name="楕円 26"/>
           <p:cNvSpPr/>
           <p:nvPr/>
         </p:nvSpPr>
@@ -4280,6 +4230,7 @@
               <a:rPr kumimoji="1" lang="en-US" altLang="ja-JP" sz="1800" dirty="0"/>
               <a:t>100</a:t>
             </a:r>
+            <a:endParaRPr kumimoji="1" lang="en-US" altLang="ja-JP" sz="1800" dirty="0"/>
           </a:p>
           <a:p>
             <a:pPr algn="ctr"/>
@@ -4293,13 +4244,7 @@
       </p:sp>
       <p:sp>
         <p:nvSpPr>
-          <p:cNvPr id="38" name="テキスト プレースホルダー 37">
-            <a:extLst>
-              <a:ext uri="{FF2B5EF4-FFF2-40B4-BE49-F238E27FC236}">
-                <a16:creationId xmlns:a16="http://schemas.microsoft.com/office/drawing/2014/main" id="{01790FBD-FB92-2477-1FA4-101D3F18ED90}"/>
-              </a:ext>
-            </a:extLst>
-          </p:cNvPr>
+          <p:cNvPr id="38" name="テキスト プレースホルダー 37"/>
           <p:cNvSpPr>
             <a:spLocks noGrp="1"/>
           </p:cNvSpPr>
@@ -4341,13 +4286,7 @@
       </p:sp>
       <p:sp>
         <p:nvSpPr>
-          <p:cNvPr id="4" name="タイトル 3">
-            <a:extLst>
-              <a:ext uri="{FF2B5EF4-FFF2-40B4-BE49-F238E27FC236}">
-                <a16:creationId xmlns:a16="http://schemas.microsoft.com/office/drawing/2014/main" id="{45228425-480F-E2C0-FD85-EE76EF9F6246}"/>
-              </a:ext>
-            </a:extLst>
-          </p:cNvPr>
+          <p:cNvPr id="4" name="タイトル 3"/>
           <p:cNvSpPr>
             <a:spLocks noGrp="1"/>
           </p:cNvSpPr>
@@ -4376,13 +4315,7 @@
       </p:sp>
       <p:sp>
         <p:nvSpPr>
-          <p:cNvPr id="34" name="テキスト プレースホルダー 33">
-            <a:extLst>
-              <a:ext uri="{FF2B5EF4-FFF2-40B4-BE49-F238E27FC236}">
-                <a16:creationId xmlns:a16="http://schemas.microsoft.com/office/drawing/2014/main" id="{A6FF1719-4298-FD71-EBE2-62BFEF6D5300}"/>
-              </a:ext>
-            </a:extLst>
-          </p:cNvPr>
+          <p:cNvPr id="34" name="テキスト プレースホルダー 33"/>
           <p:cNvSpPr>
             <a:spLocks noGrp="1"/>
           </p:cNvSpPr>
@@ -4403,7 +4336,7 @@
             </a:r>
             <a:r>
               <a:rPr lang="en-US" altLang="ja-JP" dirty="0">
-                <a:hlinkClick r:id="rId2"/>
+                <a:hlinkClick r:id="rId1"/>
               </a:rPr>
               <a:t>https://www.manabinoba.com/science/9720.html</a:t>
             </a:r>
@@ -4413,13 +4346,7 @@
       </p:sp>
       <p:sp>
         <p:nvSpPr>
-          <p:cNvPr id="16" name="テキスト ボックス 15">
-            <a:extLst>
-              <a:ext uri="{FF2B5EF4-FFF2-40B4-BE49-F238E27FC236}">
-                <a16:creationId xmlns:a16="http://schemas.microsoft.com/office/drawing/2014/main" id="{8FE20F21-67F2-E24F-415C-DA3EFA062FE6}"/>
-              </a:ext>
-            </a:extLst>
-          </p:cNvPr>
+          <p:cNvPr id="16" name="テキスト ボックス 15"/>
           <p:cNvSpPr txBox="1"/>
           <p:nvPr/>
         </p:nvSpPr>
@@ -4445,18 +4372,13 @@
               <a:rPr kumimoji="1" lang="ja-JP" altLang="en-US" sz="2000" dirty="0"/>
               <a:t>同時に落下</a:t>
             </a:r>
+            <a:endParaRPr kumimoji="1" lang="ja-JP" altLang="en-US" sz="2000" dirty="0"/>
           </a:p>
         </p:txBody>
       </p:sp>
       <p:grpSp>
         <p:nvGrpSpPr>
-          <p:cNvPr id="37" name="グループ化 36">
-            <a:extLst>
-              <a:ext uri="{FF2B5EF4-FFF2-40B4-BE49-F238E27FC236}">
-                <a16:creationId xmlns:a16="http://schemas.microsoft.com/office/drawing/2014/main" id="{9531B221-EF01-42EB-7C1F-22D0F421FED1}"/>
-              </a:ext>
-            </a:extLst>
-          </p:cNvPr>
+          <p:cNvPr id="37" name="グループ化 36"/>
           <p:cNvGrpSpPr/>
           <p:nvPr/>
         </p:nvGrpSpPr>
@@ -4471,16 +4393,8 @@
         </p:grpSpPr>
         <p:sp>
           <p:nvSpPr>
-            <p:cNvPr id="24" name="テキスト プレースホルダー 1">
-              <a:extLst>
-                <a:ext uri="{FF2B5EF4-FFF2-40B4-BE49-F238E27FC236}">
-                  <a16:creationId xmlns:a16="http://schemas.microsoft.com/office/drawing/2014/main" id="{6E20890B-0041-6D81-727C-1417437FFE64}"/>
-                </a:ext>
-              </a:extLst>
-            </p:cNvPr>
-            <p:cNvSpPr txBox="1">
-              <a:spLocks/>
-            </p:cNvSpPr>
+            <p:cNvPr id="24" name="テキスト プレースホルダー 1"/>
+            <p:cNvSpPr txBox="1"/>
             <p:nvPr/>
           </p:nvSpPr>
           <p:spPr>
@@ -4495,11 +4409,11 @@
           <p:txBody>
             <a:bodyPr anchor="ctr"/>
             <a:lstStyle>
-              <a:lvl1pPr marL="0" indent="0" algn="l" defTabSz="609630" rtl="0" eaLnBrk="1" latinLnBrk="0" hangingPunct="1">
+              <a:lvl1pPr marL="0" indent="0" algn="l" defTabSz="609600" rtl="0" eaLnBrk="1" latinLnBrk="0" hangingPunct="1">
                 <a:spcBef>
                   <a:spcPct val="20000"/>
                 </a:spcBef>
-                <a:buFont typeface="Arial" pitchFamily="34" charset="0"/>
+                <a:buFont typeface="Arial" panose="020B0604020202020204" pitchFamily="34" charset="0"/>
                 <a:buNone/>
                 <a:defRPr kumimoji="1" sz="3600" kern="1200">
                   <a:solidFill>
@@ -4510,13 +4424,13 @@
                   <a:cs typeface="+mn-cs"/>
                 </a:defRPr>
               </a:lvl1pPr>
-              <a:lvl2pPr marL="495325" indent="-190510" algn="l" defTabSz="609630" rtl="0" eaLnBrk="1" latinLnBrk="0" hangingPunct="1">
+              <a:lvl2pPr marL="495300" indent="-190500" algn="l" defTabSz="609600" rtl="0" eaLnBrk="1" latinLnBrk="0" hangingPunct="1">
                 <a:spcBef>
                   <a:spcPct val="20000"/>
                 </a:spcBef>
-                <a:buFont typeface="Arial" pitchFamily="34" charset="0"/>
+                <a:buFont typeface="Arial" panose="020B0604020202020204" pitchFamily="34" charset="0"/>
                 <a:buChar char="–"/>
-                <a:defRPr kumimoji="1" sz="1867" kern="1200">
+                <a:defRPr kumimoji="1" sz="1865" kern="1200">
                   <a:solidFill>
                     <a:schemeClr val="tx1"/>
                   </a:solidFill>
@@ -4525,11 +4439,11 @@
                   <a:cs typeface="+mn-cs"/>
                 </a:defRPr>
               </a:lvl2pPr>
-              <a:lvl3pPr marL="762038" indent="-152408" algn="l" defTabSz="609630" rtl="0" eaLnBrk="1" latinLnBrk="0" hangingPunct="1">
+              <a:lvl3pPr marL="762000" indent="-152400" algn="l" defTabSz="609600" rtl="0" eaLnBrk="1" latinLnBrk="0" hangingPunct="1">
                 <a:spcBef>
                   <a:spcPct val="20000"/>
                 </a:spcBef>
-                <a:buFont typeface="Arial" pitchFamily="34" charset="0"/>
+                <a:buFont typeface="Arial" panose="020B0604020202020204" pitchFamily="34" charset="0"/>
                 <a:buChar char="•"/>
                 <a:defRPr kumimoji="1" sz="1600" kern="1200">
                   <a:solidFill>
@@ -4540,13 +4454,13 @@
                   <a:cs typeface="+mn-cs"/>
                 </a:defRPr>
               </a:lvl3pPr>
-              <a:lvl4pPr marL="1066853" indent="-152408" algn="l" defTabSz="609630" rtl="0" eaLnBrk="1" latinLnBrk="0" hangingPunct="1">
+              <a:lvl4pPr marL="1066800" indent="-152400" algn="l" defTabSz="609600" rtl="0" eaLnBrk="1" latinLnBrk="0" hangingPunct="1">
                 <a:spcBef>
                   <a:spcPct val="20000"/>
                 </a:spcBef>
-                <a:buFont typeface="Arial" pitchFamily="34" charset="0"/>
+                <a:buFont typeface="Arial" panose="020B0604020202020204" pitchFamily="34" charset="0"/>
                 <a:buChar char="–"/>
-                <a:defRPr kumimoji="1" sz="1333" kern="1200">
+                <a:defRPr kumimoji="1" sz="1335" kern="1200">
                   <a:solidFill>
                     <a:schemeClr val="tx1"/>
                   </a:solidFill>
@@ -4555,13 +4469,13 @@
                   <a:cs typeface="+mn-cs"/>
                 </a:defRPr>
               </a:lvl4pPr>
-              <a:lvl5pPr marL="1371669" indent="-152408" algn="l" defTabSz="609630" rtl="0" eaLnBrk="1" latinLnBrk="0" hangingPunct="1">
+              <a:lvl5pPr marL="1371600" indent="-152400" algn="l" defTabSz="609600" rtl="0" eaLnBrk="1" latinLnBrk="0" hangingPunct="1">
                 <a:spcBef>
                   <a:spcPct val="20000"/>
                 </a:spcBef>
-                <a:buFont typeface="Arial" pitchFamily="34" charset="0"/>
+                <a:buFont typeface="Arial" panose="020B0604020202020204" pitchFamily="34" charset="0"/>
                 <a:buChar char="»"/>
-                <a:defRPr kumimoji="1" sz="1333" kern="1200">
+                <a:defRPr kumimoji="1" sz="1335" kern="1200">
                   <a:solidFill>
                     <a:schemeClr val="tx1"/>
                   </a:solidFill>
@@ -4570,13 +4484,13 @@
                   <a:cs typeface="+mn-cs"/>
                 </a:defRPr>
               </a:lvl5pPr>
-              <a:lvl6pPr marL="1676484" indent="-152408" algn="l" defTabSz="609630" rtl="0" eaLnBrk="1" latinLnBrk="0" hangingPunct="1">
+              <a:lvl6pPr marL="1676400" indent="-152400" algn="l" defTabSz="609600" rtl="0" eaLnBrk="1" latinLnBrk="0" hangingPunct="1">
                 <a:spcBef>
                   <a:spcPct val="20000"/>
                 </a:spcBef>
-                <a:buFont typeface="Arial" pitchFamily="34" charset="0"/>
+                <a:buFont typeface="Arial" panose="020B0604020202020204" pitchFamily="34" charset="0"/>
                 <a:buChar char="•"/>
-                <a:defRPr kumimoji="1" sz="1333" kern="1200">
+                <a:defRPr kumimoji="1" sz="1335" kern="1200">
                   <a:solidFill>
                     <a:schemeClr val="tx1"/>
                   </a:solidFill>
@@ -4585,13 +4499,13 @@
                   <a:cs typeface="+mn-cs"/>
                 </a:defRPr>
               </a:lvl6pPr>
-              <a:lvl7pPr marL="1981299" indent="-152408" algn="l" defTabSz="609630" rtl="0" eaLnBrk="1" latinLnBrk="0" hangingPunct="1">
+              <a:lvl7pPr marL="1981200" indent="-152400" algn="l" defTabSz="609600" rtl="0" eaLnBrk="1" latinLnBrk="0" hangingPunct="1">
                 <a:spcBef>
                   <a:spcPct val="20000"/>
                 </a:spcBef>
-                <a:buFont typeface="Arial" pitchFamily="34" charset="0"/>
+                <a:buFont typeface="Arial" panose="020B0604020202020204" pitchFamily="34" charset="0"/>
                 <a:buChar char="•"/>
-                <a:defRPr kumimoji="1" sz="1333" kern="1200">
+                <a:defRPr kumimoji="1" sz="1335" kern="1200">
                   <a:solidFill>
                     <a:schemeClr val="tx1"/>
                   </a:solidFill>
@@ -4600,13 +4514,13 @@
                   <a:cs typeface="+mn-cs"/>
                 </a:defRPr>
               </a:lvl7pPr>
-              <a:lvl8pPr marL="2286114" indent="-152408" algn="l" defTabSz="609630" rtl="0" eaLnBrk="1" latinLnBrk="0" hangingPunct="1">
+              <a:lvl8pPr marL="2286000" indent="-152400" algn="l" defTabSz="609600" rtl="0" eaLnBrk="1" latinLnBrk="0" hangingPunct="1">
                 <a:spcBef>
                   <a:spcPct val="20000"/>
                 </a:spcBef>
-                <a:buFont typeface="Arial" pitchFamily="34" charset="0"/>
+                <a:buFont typeface="Arial" panose="020B0604020202020204" pitchFamily="34" charset="0"/>
                 <a:buChar char="•"/>
-                <a:defRPr kumimoji="1" sz="1333" kern="1200">
+                <a:defRPr kumimoji="1" sz="1335" kern="1200">
                   <a:solidFill>
                     <a:schemeClr val="tx1"/>
                   </a:solidFill>
@@ -4615,13 +4529,13 @@
                   <a:cs typeface="+mn-cs"/>
                 </a:defRPr>
               </a:lvl8pPr>
-              <a:lvl9pPr marL="2590930" indent="-152408" algn="l" defTabSz="609630" rtl="0" eaLnBrk="1" latinLnBrk="0" hangingPunct="1">
+              <a:lvl9pPr marL="2590800" indent="-152400" algn="l" defTabSz="609600" rtl="0" eaLnBrk="1" latinLnBrk="0" hangingPunct="1">
                 <a:spcBef>
                   <a:spcPct val="20000"/>
                 </a:spcBef>
-                <a:buFont typeface="Arial" pitchFamily="34" charset="0"/>
+                <a:buFont typeface="Arial" panose="020B0604020202020204" pitchFamily="34" charset="0"/>
                 <a:buChar char="•"/>
-                <a:defRPr kumimoji="1" sz="1333" kern="1200">
+                <a:defRPr kumimoji="1" sz="1335" kern="1200">
                   <a:solidFill>
                     <a:schemeClr val="tx1"/>
                   </a:solidFill>
@@ -4659,21 +4573,16 @@
                 </a:rPr>
                 <a:t>で繋いで落とすと？</a:t>
               </a:r>
+              <a:endParaRPr lang="ja-JP" altLang="en-US" sz="3200" dirty="0">
+                <a:latin typeface="+mn-lt"/>
+              </a:endParaRPr>
             </a:p>
           </p:txBody>
         </p:sp>
         <p:sp>
           <p:nvSpPr>
-            <p:cNvPr id="25" name="テキスト プレースホルダー 1">
-              <a:extLst>
-                <a:ext uri="{FF2B5EF4-FFF2-40B4-BE49-F238E27FC236}">
-                  <a16:creationId xmlns:a16="http://schemas.microsoft.com/office/drawing/2014/main" id="{2B2EA4F8-6C53-3ADB-673F-86D5A2776146}"/>
-                </a:ext>
-              </a:extLst>
-            </p:cNvPr>
-            <p:cNvSpPr txBox="1">
-              <a:spLocks/>
-            </p:cNvSpPr>
+            <p:cNvPr id="25" name="テキスト プレースホルダー 1"/>
+            <p:cNvSpPr txBox="1"/>
             <p:nvPr/>
           </p:nvSpPr>
           <p:spPr>
@@ -4688,11 +4597,11 @@
           <p:txBody>
             <a:bodyPr anchor="ctr"/>
             <a:lstStyle>
-              <a:lvl1pPr marL="0" indent="0" algn="l" defTabSz="609630" rtl="0" eaLnBrk="1" latinLnBrk="0" hangingPunct="1">
+              <a:lvl1pPr marL="0" indent="0" algn="l" defTabSz="609600" rtl="0" eaLnBrk="1" latinLnBrk="0" hangingPunct="1">
                 <a:spcBef>
                   <a:spcPct val="20000"/>
                 </a:spcBef>
-                <a:buFont typeface="Arial" pitchFamily="34" charset="0"/>
+                <a:buFont typeface="Arial" panose="020B0604020202020204" pitchFamily="34" charset="0"/>
                 <a:buNone/>
                 <a:defRPr kumimoji="1" sz="3600" kern="1200">
                   <a:solidFill>
@@ -4703,13 +4612,13 @@
                   <a:cs typeface="+mn-cs"/>
                 </a:defRPr>
               </a:lvl1pPr>
-              <a:lvl2pPr marL="495325" indent="-190510" algn="l" defTabSz="609630" rtl="0" eaLnBrk="1" latinLnBrk="0" hangingPunct="1">
+              <a:lvl2pPr marL="495300" indent="-190500" algn="l" defTabSz="609600" rtl="0" eaLnBrk="1" latinLnBrk="0" hangingPunct="1">
                 <a:spcBef>
                   <a:spcPct val="20000"/>
                 </a:spcBef>
-                <a:buFont typeface="Arial" pitchFamily="34" charset="0"/>
+                <a:buFont typeface="Arial" panose="020B0604020202020204" pitchFamily="34" charset="0"/>
                 <a:buChar char="–"/>
-                <a:defRPr kumimoji="1" sz="1867" kern="1200">
+                <a:defRPr kumimoji="1" sz="1865" kern="1200">
                   <a:solidFill>
                     <a:schemeClr val="tx1"/>
                   </a:solidFill>
@@ -4718,11 +4627,11 @@
                   <a:cs typeface="+mn-cs"/>
                 </a:defRPr>
               </a:lvl2pPr>
-              <a:lvl3pPr marL="762038" indent="-152408" algn="l" defTabSz="609630" rtl="0" eaLnBrk="1" latinLnBrk="0" hangingPunct="1">
+              <a:lvl3pPr marL="762000" indent="-152400" algn="l" defTabSz="609600" rtl="0" eaLnBrk="1" latinLnBrk="0" hangingPunct="1">
                 <a:spcBef>
                   <a:spcPct val="20000"/>
                 </a:spcBef>
-                <a:buFont typeface="Arial" pitchFamily="34" charset="0"/>
+                <a:buFont typeface="Arial" panose="020B0604020202020204" pitchFamily="34" charset="0"/>
                 <a:buChar char="•"/>
                 <a:defRPr kumimoji="1" sz="1600" kern="1200">
                   <a:solidFill>
@@ -4733,13 +4642,13 @@
                   <a:cs typeface="+mn-cs"/>
                 </a:defRPr>
               </a:lvl3pPr>
-              <a:lvl4pPr marL="1066853" indent="-152408" algn="l" defTabSz="609630" rtl="0" eaLnBrk="1" latinLnBrk="0" hangingPunct="1">
+              <a:lvl4pPr marL="1066800" indent="-152400" algn="l" defTabSz="609600" rtl="0" eaLnBrk="1" latinLnBrk="0" hangingPunct="1">
                 <a:spcBef>
                   <a:spcPct val="20000"/>
                 </a:spcBef>
-                <a:buFont typeface="Arial" pitchFamily="34" charset="0"/>
+                <a:buFont typeface="Arial" panose="020B0604020202020204" pitchFamily="34" charset="0"/>
                 <a:buChar char="–"/>
-                <a:defRPr kumimoji="1" sz="1333" kern="1200">
+                <a:defRPr kumimoji="1" sz="1335" kern="1200">
                   <a:solidFill>
                     <a:schemeClr val="tx1"/>
                   </a:solidFill>
@@ -4748,13 +4657,13 @@
                   <a:cs typeface="+mn-cs"/>
                 </a:defRPr>
               </a:lvl4pPr>
-              <a:lvl5pPr marL="1371669" indent="-152408" algn="l" defTabSz="609630" rtl="0" eaLnBrk="1" latinLnBrk="0" hangingPunct="1">
+              <a:lvl5pPr marL="1371600" indent="-152400" algn="l" defTabSz="609600" rtl="0" eaLnBrk="1" latinLnBrk="0" hangingPunct="1">
                 <a:spcBef>
                   <a:spcPct val="20000"/>
                 </a:spcBef>
-                <a:buFont typeface="Arial" pitchFamily="34" charset="0"/>
+                <a:buFont typeface="Arial" panose="020B0604020202020204" pitchFamily="34" charset="0"/>
                 <a:buChar char="»"/>
-                <a:defRPr kumimoji="1" sz="1333" kern="1200">
+                <a:defRPr kumimoji="1" sz="1335" kern="1200">
                   <a:solidFill>
                     <a:schemeClr val="tx1"/>
                   </a:solidFill>
@@ -4763,13 +4672,13 @@
                   <a:cs typeface="+mn-cs"/>
                 </a:defRPr>
               </a:lvl5pPr>
-              <a:lvl6pPr marL="1676484" indent="-152408" algn="l" defTabSz="609630" rtl="0" eaLnBrk="1" latinLnBrk="0" hangingPunct="1">
+              <a:lvl6pPr marL="1676400" indent="-152400" algn="l" defTabSz="609600" rtl="0" eaLnBrk="1" latinLnBrk="0" hangingPunct="1">
                 <a:spcBef>
                   <a:spcPct val="20000"/>
                 </a:spcBef>
-                <a:buFont typeface="Arial" pitchFamily="34" charset="0"/>
+                <a:buFont typeface="Arial" panose="020B0604020202020204" pitchFamily="34" charset="0"/>
                 <a:buChar char="•"/>
-                <a:defRPr kumimoji="1" sz="1333" kern="1200">
+                <a:defRPr kumimoji="1" sz="1335" kern="1200">
                   <a:solidFill>
                     <a:schemeClr val="tx1"/>
                   </a:solidFill>
@@ -4778,13 +4687,13 @@
                   <a:cs typeface="+mn-cs"/>
                 </a:defRPr>
               </a:lvl6pPr>
-              <a:lvl7pPr marL="1981299" indent="-152408" algn="l" defTabSz="609630" rtl="0" eaLnBrk="1" latinLnBrk="0" hangingPunct="1">
+              <a:lvl7pPr marL="1981200" indent="-152400" algn="l" defTabSz="609600" rtl="0" eaLnBrk="1" latinLnBrk="0" hangingPunct="1">
                 <a:spcBef>
                   <a:spcPct val="20000"/>
                 </a:spcBef>
-                <a:buFont typeface="Arial" pitchFamily="34" charset="0"/>
+                <a:buFont typeface="Arial" panose="020B0604020202020204" pitchFamily="34" charset="0"/>
                 <a:buChar char="•"/>
-                <a:defRPr kumimoji="1" sz="1333" kern="1200">
+                <a:defRPr kumimoji="1" sz="1335" kern="1200">
                   <a:solidFill>
                     <a:schemeClr val="tx1"/>
                   </a:solidFill>
@@ -4793,13 +4702,13 @@
                   <a:cs typeface="+mn-cs"/>
                 </a:defRPr>
               </a:lvl7pPr>
-              <a:lvl8pPr marL="2286114" indent="-152408" algn="l" defTabSz="609630" rtl="0" eaLnBrk="1" latinLnBrk="0" hangingPunct="1">
+              <a:lvl8pPr marL="2286000" indent="-152400" algn="l" defTabSz="609600" rtl="0" eaLnBrk="1" latinLnBrk="0" hangingPunct="1">
                 <a:spcBef>
                   <a:spcPct val="20000"/>
                 </a:spcBef>
-                <a:buFont typeface="Arial" pitchFamily="34" charset="0"/>
+                <a:buFont typeface="Arial" panose="020B0604020202020204" pitchFamily="34" charset="0"/>
                 <a:buChar char="•"/>
-                <a:defRPr kumimoji="1" sz="1333" kern="1200">
+                <a:defRPr kumimoji="1" sz="1335" kern="1200">
                   <a:solidFill>
                     <a:schemeClr val="tx1"/>
                   </a:solidFill>
@@ -4808,13 +4717,13 @@
                   <a:cs typeface="+mn-cs"/>
                 </a:defRPr>
               </a:lvl8pPr>
-              <a:lvl9pPr marL="2590930" indent="-152408" algn="l" defTabSz="609630" rtl="0" eaLnBrk="1" latinLnBrk="0" hangingPunct="1">
+              <a:lvl9pPr marL="2590800" indent="-152400" algn="l" defTabSz="609600" rtl="0" eaLnBrk="1" latinLnBrk="0" hangingPunct="1">
                 <a:spcBef>
                   <a:spcPct val="20000"/>
                 </a:spcBef>
-                <a:buFont typeface="Arial" pitchFamily="34" charset="0"/>
+                <a:buFont typeface="Arial" panose="020B0604020202020204" pitchFamily="34" charset="0"/>
                 <a:buChar char="•"/>
-                <a:defRPr kumimoji="1" sz="1333" kern="1200">
+                <a:defRPr kumimoji="1" sz="1335" kern="1200">
                   <a:solidFill>
                     <a:schemeClr val="tx1"/>
                   </a:solidFill>
@@ -4841,16 +4750,8 @@
       </p:grpSp>
       <p:cxnSp>
         <p:nvCxnSpPr>
-          <p:cNvPr id="11" name="直線コネクタ 10">
-            <a:extLst>
-              <a:ext uri="{FF2B5EF4-FFF2-40B4-BE49-F238E27FC236}">
-                <a16:creationId xmlns:a16="http://schemas.microsoft.com/office/drawing/2014/main" id="{C3F51D2A-4B85-0512-D36F-36C61C159F79}"/>
-              </a:ext>
-            </a:extLst>
-          </p:cNvPr>
-          <p:cNvCxnSpPr>
-            <a:cxnSpLocks/>
-          </p:cNvCxnSpPr>
+          <p:cNvPr id="11" name="直線コネクタ 10"/>
+          <p:cNvCxnSpPr/>
           <p:nvPr/>
         </p:nvCxnSpPr>
         <p:spPr>
@@ -4886,13 +4787,7 @@
       </p:cxnSp>
       <p:sp>
         <p:nvSpPr>
-          <p:cNvPr id="7" name="スライド番号プレースホルダー 7">
-            <a:extLst>
-              <a:ext uri="{FF2B5EF4-FFF2-40B4-BE49-F238E27FC236}">
-                <a16:creationId xmlns:a16="http://schemas.microsoft.com/office/drawing/2014/main" id="{5B909627-D4CE-77D0-44F9-A3C2148F68D8}"/>
-              </a:ext>
-            </a:extLst>
-          </p:cNvPr>
+          <p:cNvPr id="7" name="スライド番号プレースホルダー 7"/>
           <p:cNvSpPr>
             <a:spLocks noGrp="1"/>
           </p:cNvSpPr>
@@ -4922,8 +4817,6 @@
           <a:p>
             <a:fld id="{6408349E-6932-463E-ABE1-6FC2A2453113}" type="slidenum">
               <a:rPr kumimoji="1" lang="ja-JP" altLang="en-US" smtClean="0"/>
-              <a:pPr/>
-              <a:t>11</a:t>
             </a:fld>
             <a:endParaRPr kumimoji="1" lang="ja-JP" altLang="en-US"/>
           </a:p>
@@ -4931,13 +4824,7 @@
       </p:sp>
       <p:grpSp>
         <p:nvGrpSpPr>
-          <p:cNvPr id="21" name="グループ化 20">
-            <a:extLst>
-              <a:ext uri="{FF2B5EF4-FFF2-40B4-BE49-F238E27FC236}">
-                <a16:creationId xmlns:a16="http://schemas.microsoft.com/office/drawing/2014/main" id="{449DF3FF-6AC3-E0D9-B6C2-B72304CAF140}"/>
-              </a:ext>
-            </a:extLst>
-          </p:cNvPr>
+          <p:cNvPr id="21" name="グループ化 20"/>
           <p:cNvGrpSpPr/>
           <p:nvPr/>
         </p:nvGrpSpPr>
@@ -4952,13 +4839,7 @@
         </p:grpSpPr>
         <p:sp>
           <p:nvSpPr>
-            <p:cNvPr id="18" name="楕円 17">
-              <a:extLst>
-                <a:ext uri="{FF2B5EF4-FFF2-40B4-BE49-F238E27FC236}">
-                  <a16:creationId xmlns:a16="http://schemas.microsoft.com/office/drawing/2014/main" id="{A0B44440-B601-4FD0-F49C-A0F2966A7063}"/>
-                </a:ext>
-              </a:extLst>
-            </p:cNvPr>
+            <p:cNvPr id="18" name="楕円 17"/>
             <p:cNvSpPr/>
             <p:nvPr/>
           </p:nvSpPr>
@@ -4994,6 +4875,7 @@
                 <a:rPr kumimoji="1" lang="en-US" altLang="ja-JP" sz="1800" dirty="0"/>
                 <a:t>100</a:t>
               </a:r>
+              <a:endParaRPr kumimoji="1" lang="en-US" altLang="ja-JP" sz="1800" dirty="0"/>
             </a:p>
             <a:p>
               <a:pPr algn="ctr"/>
@@ -5007,13 +4889,7 @@
         </p:sp>
         <p:sp>
           <p:nvSpPr>
-            <p:cNvPr id="17" name="楕円 16">
-              <a:extLst>
-                <a:ext uri="{FF2B5EF4-FFF2-40B4-BE49-F238E27FC236}">
-                  <a16:creationId xmlns:a16="http://schemas.microsoft.com/office/drawing/2014/main" id="{4D61B9F7-7A56-8CBE-A345-3F7A26817144}"/>
-                </a:ext>
-              </a:extLst>
-            </p:cNvPr>
+            <p:cNvPr id="17" name="楕円 16"/>
             <p:cNvSpPr/>
             <p:nvPr/>
           </p:nvSpPr>
@@ -5049,6 +4925,7 @@
                 <a:rPr kumimoji="1" lang="en-US" altLang="ja-JP" sz="1400" dirty="0"/>
                 <a:t>1 </a:t>
               </a:r>
+              <a:endParaRPr kumimoji="1" lang="en-US" altLang="ja-JP" sz="1400" dirty="0"/>
             </a:p>
             <a:p>
               <a:pPr algn="ctr"/>
@@ -5062,13 +4939,7 @@
         </p:sp>
         <p:sp>
           <p:nvSpPr>
-            <p:cNvPr id="20" name="フリーフォーム: 図形 19">
-              <a:extLst>
-                <a:ext uri="{FF2B5EF4-FFF2-40B4-BE49-F238E27FC236}">
-                  <a16:creationId xmlns:a16="http://schemas.microsoft.com/office/drawing/2014/main" id="{DCCA52D0-719C-B77C-B5D1-AE1A3588B5BF}"/>
-                </a:ext>
-              </a:extLst>
-            </p:cNvPr>
+            <p:cNvPr id="20" name="フリーフォーム: 図形 19"/>
             <p:cNvSpPr/>
             <p:nvPr/>
           </p:nvSpPr>
@@ -5158,13 +5029,7 @@
       </p:grpSp>
       <p:sp>
         <p:nvSpPr>
-          <p:cNvPr id="8" name="正方形/長方形 7">
-            <a:extLst>
-              <a:ext uri="{FF2B5EF4-FFF2-40B4-BE49-F238E27FC236}">
-                <a16:creationId xmlns:a16="http://schemas.microsoft.com/office/drawing/2014/main" id="{A07B8307-530B-C198-5A39-6F8174A254CB}"/>
-              </a:ext>
-            </a:extLst>
-          </p:cNvPr>
+          <p:cNvPr id="8" name="正方形/長方形 7"/>
           <p:cNvSpPr/>
           <p:nvPr/>
         </p:nvSpPr>
@@ -5202,11 +5067,6 @@
         </p:txBody>
       </p:sp>
     </p:spTree>
-    <p:extLst>
-      <p:ext uri="{BB962C8B-B14F-4D97-AF65-F5344CB8AC3E}">
-        <p14:creationId xmlns:p14="http://schemas.microsoft.com/office/powerpoint/2010/main" val="3973880967"/>
-      </p:ext>
-    </p:extLst>
   </p:cSld>
   <p:clrMapOvr>
     <a:masterClrMapping/>
@@ -5219,13 +5079,7 @@
   <p:cSld>
     <p:spTree>
       <p:nvGrpSpPr>
-        <p:cNvPr id="1" name="">
-          <a:extLst>
-            <a:ext uri="{FF2B5EF4-FFF2-40B4-BE49-F238E27FC236}">
-              <a16:creationId xmlns:a16="http://schemas.microsoft.com/office/drawing/2014/main" id="{EE7A876F-C508-B497-828F-A7885F45968E}"/>
-            </a:ext>
-          </a:extLst>
-        </p:cNvPr>
+        <p:cNvPr id="1" name=""/>
         <p:cNvGrpSpPr/>
         <p:nvPr/>
       </p:nvGrpSpPr>
@@ -5239,13 +5093,7 @@
       </p:grpSpPr>
       <p:sp>
         <p:nvSpPr>
-          <p:cNvPr id="38" name="テキスト プレースホルダー 37">
-            <a:extLst>
-              <a:ext uri="{FF2B5EF4-FFF2-40B4-BE49-F238E27FC236}">
-                <a16:creationId xmlns:a16="http://schemas.microsoft.com/office/drawing/2014/main" id="{2ECB8149-B847-5CDF-35B4-96288B7DA644}"/>
-              </a:ext>
-            </a:extLst>
-          </p:cNvPr>
+          <p:cNvPr id="38" name="テキスト プレースホルダー 37"/>
           <p:cNvSpPr>
             <a:spLocks noGrp="1"/>
           </p:cNvSpPr>
@@ -5287,13 +5135,7 @@
       </p:sp>
       <p:sp>
         <p:nvSpPr>
-          <p:cNvPr id="4" name="タイトル 3">
-            <a:extLst>
-              <a:ext uri="{FF2B5EF4-FFF2-40B4-BE49-F238E27FC236}">
-                <a16:creationId xmlns:a16="http://schemas.microsoft.com/office/drawing/2014/main" id="{1B039565-8F6C-18E2-4C99-DD43E159ACE6}"/>
-              </a:ext>
-            </a:extLst>
-          </p:cNvPr>
+          <p:cNvPr id="4" name="タイトル 3"/>
           <p:cNvSpPr>
             <a:spLocks noGrp="1"/>
           </p:cNvSpPr>
@@ -5322,13 +5164,7 @@
       </p:sp>
       <p:sp>
         <p:nvSpPr>
-          <p:cNvPr id="34" name="テキスト プレースホルダー 33">
-            <a:extLst>
-              <a:ext uri="{FF2B5EF4-FFF2-40B4-BE49-F238E27FC236}">
-                <a16:creationId xmlns:a16="http://schemas.microsoft.com/office/drawing/2014/main" id="{5EFD11DA-7F57-EFC8-3D9E-64CA86F5A0C9}"/>
-              </a:ext>
-            </a:extLst>
-          </p:cNvPr>
+          <p:cNvPr id="34" name="テキスト プレースホルダー 33"/>
           <p:cNvSpPr>
             <a:spLocks noGrp="1"/>
           </p:cNvSpPr>
@@ -5349,7 +5185,7 @@
             </a:r>
             <a:r>
               <a:rPr lang="en-US" altLang="ja-JP" dirty="0">
-                <a:hlinkClick r:id="rId2"/>
+                <a:hlinkClick r:id="rId1"/>
               </a:rPr>
               <a:t>https://www.manabinoba.com/science/9720.html</a:t>
             </a:r>
@@ -5359,13 +5195,7 @@
       </p:sp>
       <p:sp>
         <p:nvSpPr>
-          <p:cNvPr id="16" name="テキスト ボックス 15">
-            <a:extLst>
-              <a:ext uri="{FF2B5EF4-FFF2-40B4-BE49-F238E27FC236}">
-                <a16:creationId xmlns:a16="http://schemas.microsoft.com/office/drawing/2014/main" id="{B63E8F89-FBC8-6D9B-4C36-DE6BEB646F42}"/>
-              </a:ext>
-            </a:extLst>
-          </p:cNvPr>
+          <p:cNvPr id="16" name="テキスト ボックス 15"/>
           <p:cNvSpPr txBox="1"/>
           <p:nvPr/>
         </p:nvSpPr>
@@ -5391,18 +5221,13 @@
               <a:rPr kumimoji="1" lang="ja-JP" altLang="en-US" sz="2000" dirty="0"/>
               <a:t>同時に落下</a:t>
             </a:r>
+            <a:endParaRPr kumimoji="1" lang="ja-JP" altLang="en-US" sz="2000" dirty="0"/>
           </a:p>
         </p:txBody>
       </p:sp>
       <p:grpSp>
         <p:nvGrpSpPr>
-          <p:cNvPr id="37" name="グループ化 36">
-            <a:extLst>
-              <a:ext uri="{FF2B5EF4-FFF2-40B4-BE49-F238E27FC236}">
-                <a16:creationId xmlns:a16="http://schemas.microsoft.com/office/drawing/2014/main" id="{6ACC06B1-E720-212F-0B0A-307B9F29673E}"/>
-              </a:ext>
-            </a:extLst>
-          </p:cNvPr>
+          <p:cNvPr id="37" name="グループ化 36"/>
           <p:cNvGrpSpPr/>
           <p:nvPr/>
         </p:nvGrpSpPr>
@@ -5417,16 +5242,8 @@
         </p:grpSpPr>
         <p:sp>
           <p:nvSpPr>
-            <p:cNvPr id="24" name="テキスト プレースホルダー 1">
-              <a:extLst>
-                <a:ext uri="{FF2B5EF4-FFF2-40B4-BE49-F238E27FC236}">
-                  <a16:creationId xmlns:a16="http://schemas.microsoft.com/office/drawing/2014/main" id="{13748DC3-BB8A-B62B-037D-D815B41FD506}"/>
-                </a:ext>
-              </a:extLst>
-            </p:cNvPr>
-            <p:cNvSpPr txBox="1">
-              <a:spLocks/>
-            </p:cNvSpPr>
+            <p:cNvPr id="24" name="テキスト プレースホルダー 1"/>
+            <p:cNvSpPr txBox="1"/>
             <p:nvPr/>
           </p:nvSpPr>
           <p:spPr>
@@ -5441,11 +5258,11 @@
           <p:txBody>
             <a:bodyPr anchor="ctr"/>
             <a:lstStyle>
-              <a:lvl1pPr marL="0" indent="0" algn="l" defTabSz="609630" rtl="0" eaLnBrk="1" latinLnBrk="0" hangingPunct="1">
+              <a:lvl1pPr marL="0" indent="0" algn="l" defTabSz="609600" rtl="0" eaLnBrk="1" latinLnBrk="0" hangingPunct="1">
                 <a:spcBef>
                   <a:spcPct val="20000"/>
                 </a:spcBef>
-                <a:buFont typeface="Arial" pitchFamily="34" charset="0"/>
+                <a:buFont typeface="Arial" panose="020B0604020202020204" pitchFamily="34" charset="0"/>
                 <a:buNone/>
                 <a:defRPr kumimoji="1" sz="3600" kern="1200">
                   <a:solidFill>
@@ -5456,13 +5273,13 @@
                   <a:cs typeface="+mn-cs"/>
                 </a:defRPr>
               </a:lvl1pPr>
-              <a:lvl2pPr marL="495325" indent="-190510" algn="l" defTabSz="609630" rtl="0" eaLnBrk="1" latinLnBrk="0" hangingPunct="1">
+              <a:lvl2pPr marL="495300" indent="-190500" algn="l" defTabSz="609600" rtl="0" eaLnBrk="1" latinLnBrk="0" hangingPunct="1">
                 <a:spcBef>
                   <a:spcPct val="20000"/>
                 </a:spcBef>
-                <a:buFont typeface="Arial" pitchFamily="34" charset="0"/>
+                <a:buFont typeface="Arial" panose="020B0604020202020204" pitchFamily="34" charset="0"/>
                 <a:buChar char="–"/>
-                <a:defRPr kumimoji="1" sz="1867" kern="1200">
+                <a:defRPr kumimoji="1" sz="1865" kern="1200">
                   <a:solidFill>
                     <a:schemeClr val="tx1"/>
                   </a:solidFill>
@@ -5471,11 +5288,11 @@
                   <a:cs typeface="+mn-cs"/>
                 </a:defRPr>
               </a:lvl2pPr>
-              <a:lvl3pPr marL="762038" indent="-152408" algn="l" defTabSz="609630" rtl="0" eaLnBrk="1" latinLnBrk="0" hangingPunct="1">
+              <a:lvl3pPr marL="762000" indent="-152400" algn="l" defTabSz="609600" rtl="0" eaLnBrk="1" latinLnBrk="0" hangingPunct="1">
                 <a:spcBef>
                   <a:spcPct val="20000"/>
                 </a:spcBef>
-                <a:buFont typeface="Arial" pitchFamily="34" charset="0"/>
+                <a:buFont typeface="Arial" panose="020B0604020202020204" pitchFamily="34" charset="0"/>
                 <a:buChar char="•"/>
                 <a:defRPr kumimoji="1" sz="1600" kern="1200">
                   <a:solidFill>
@@ -5486,13 +5303,13 @@
                   <a:cs typeface="+mn-cs"/>
                 </a:defRPr>
               </a:lvl3pPr>
-              <a:lvl4pPr marL="1066853" indent="-152408" algn="l" defTabSz="609630" rtl="0" eaLnBrk="1" latinLnBrk="0" hangingPunct="1">
+              <a:lvl4pPr marL="1066800" indent="-152400" algn="l" defTabSz="609600" rtl="0" eaLnBrk="1" latinLnBrk="0" hangingPunct="1">
                 <a:spcBef>
                   <a:spcPct val="20000"/>
                 </a:spcBef>
-                <a:buFont typeface="Arial" pitchFamily="34" charset="0"/>
+                <a:buFont typeface="Arial" panose="020B0604020202020204" pitchFamily="34" charset="0"/>
                 <a:buChar char="–"/>
-                <a:defRPr kumimoji="1" sz="1333" kern="1200">
+                <a:defRPr kumimoji="1" sz="1335" kern="1200">
                   <a:solidFill>
                     <a:schemeClr val="tx1"/>
                   </a:solidFill>
@@ -5501,13 +5318,13 @@
                   <a:cs typeface="+mn-cs"/>
                 </a:defRPr>
               </a:lvl4pPr>
-              <a:lvl5pPr marL="1371669" indent="-152408" algn="l" defTabSz="609630" rtl="0" eaLnBrk="1" latinLnBrk="0" hangingPunct="1">
+              <a:lvl5pPr marL="1371600" indent="-152400" algn="l" defTabSz="609600" rtl="0" eaLnBrk="1" latinLnBrk="0" hangingPunct="1">
                 <a:spcBef>
                   <a:spcPct val="20000"/>
                 </a:spcBef>
-                <a:buFont typeface="Arial" pitchFamily="34" charset="0"/>
+                <a:buFont typeface="Arial" panose="020B0604020202020204" pitchFamily="34" charset="0"/>
                 <a:buChar char="»"/>
-                <a:defRPr kumimoji="1" sz="1333" kern="1200">
+                <a:defRPr kumimoji="1" sz="1335" kern="1200">
                   <a:solidFill>
                     <a:schemeClr val="tx1"/>
                   </a:solidFill>
@@ -5516,13 +5333,13 @@
                   <a:cs typeface="+mn-cs"/>
                 </a:defRPr>
               </a:lvl5pPr>
-              <a:lvl6pPr marL="1676484" indent="-152408" algn="l" defTabSz="609630" rtl="0" eaLnBrk="1" latinLnBrk="0" hangingPunct="1">
+              <a:lvl6pPr marL="1676400" indent="-152400" algn="l" defTabSz="609600" rtl="0" eaLnBrk="1" latinLnBrk="0" hangingPunct="1">
                 <a:spcBef>
                   <a:spcPct val="20000"/>
                 </a:spcBef>
-                <a:buFont typeface="Arial" pitchFamily="34" charset="0"/>
+                <a:buFont typeface="Arial" panose="020B0604020202020204" pitchFamily="34" charset="0"/>
                 <a:buChar char="•"/>
-                <a:defRPr kumimoji="1" sz="1333" kern="1200">
+                <a:defRPr kumimoji="1" sz="1335" kern="1200">
                   <a:solidFill>
                     <a:schemeClr val="tx1"/>
                   </a:solidFill>
@@ -5531,13 +5348,13 @@
                   <a:cs typeface="+mn-cs"/>
                 </a:defRPr>
               </a:lvl6pPr>
-              <a:lvl7pPr marL="1981299" indent="-152408" algn="l" defTabSz="609630" rtl="0" eaLnBrk="1" latinLnBrk="0" hangingPunct="1">
+              <a:lvl7pPr marL="1981200" indent="-152400" algn="l" defTabSz="609600" rtl="0" eaLnBrk="1" latinLnBrk="0" hangingPunct="1">
                 <a:spcBef>
                   <a:spcPct val="20000"/>
                 </a:spcBef>
-                <a:buFont typeface="Arial" pitchFamily="34" charset="0"/>
+                <a:buFont typeface="Arial" panose="020B0604020202020204" pitchFamily="34" charset="0"/>
                 <a:buChar char="•"/>
-                <a:defRPr kumimoji="1" sz="1333" kern="1200">
+                <a:defRPr kumimoji="1" sz="1335" kern="1200">
                   <a:solidFill>
                     <a:schemeClr val="tx1"/>
                   </a:solidFill>
@@ -5546,13 +5363,13 @@
                   <a:cs typeface="+mn-cs"/>
                 </a:defRPr>
               </a:lvl7pPr>
-              <a:lvl8pPr marL="2286114" indent="-152408" algn="l" defTabSz="609630" rtl="0" eaLnBrk="1" latinLnBrk="0" hangingPunct="1">
+              <a:lvl8pPr marL="2286000" indent="-152400" algn="l" defTabSz="609600" rtl="0" eaLnBrk="1" latinLnBrk="0" hangingPunct="1">
                 <a:spcBef>
                   <a:spcPct val="20000"/>
                 </a:spcBef>
-                <a:buFont typeface="Arial" pitchFamily="34" charset="0"/>
+                <a:buFont typeface="Arial" panose="020B0604020202020204" pitchFamily="34" charset="0"/>
                 <a:buChar char="•"/>
-                <a:defRPr kumimoji="1" sz="1333" kern="1200">
+                <a:defRPr kumimoji="1" sz="1335" kern="1200">
                   <a:solidFill>
                     <a:schemeClr val="tx1"/>
                   </a:solidFill>
@@ -5561,13 +5378,13 @@
                   <a:cs typeface="+mn-cs"/>
                 </a:defRPr>
               </a:lvl8pPr>
-              <a:lvl9pPr marL="2590930" indent="-152408" algn="l" defTabSz="609630" rtl="0" eaLnBrk="1" latinLnBrk="0" hangingPunct="1">
+              <a:lvl9pPr marL="2590800" indent="-152400" algn="l" defTabSz="609600" rtl="0" eaLnBrk="1" latinLnBrk="0" hangingPunct="1">
                 <a:spcBef>
                   <a:spcPct val="20000"/>
                 </a:spcBef>
-                <a:buFont typeface="Arial" pitchFamily="34" charset="0"/>
+                <a:buFont typeface="Arial" panose="020B0604020202020204" pitchFamily="34" charset="0"/>
                 <a:buChar char="•"/>
-                <a:defRPr kumimoji="1" sz="1333" kern="1200">
+                <a:defRPr kumimoji="1" sz="1335" kern="1200">
                   <a:solidFill>
                     <a:schemeClr val="tx1"/>
                   </a:solidFill>
@@ -5605,21 +5422,16 @@
                 </a:rPr>
                 <a:t>で繋いで落とすと？</a:t>
               </a:r>
+              <a:endParaRPr lang="ja-JP" altLang="en-US" sz="3200" dirty="0">
+                <a:latin typeface="+mn-lt"/>
+              </a:endParaRPr>
             </a:p>
           </p:txBody>
         </p:sp>
         <p:sp>
           <p:nvSpPr>
-            <p:cNvPr id="25" name="テキスト プレースホルダー 1">
-              <a:extLst>
-                <a:ext uri="{FF2B5EF4-FFF2-40B4-BE49-F238E27FC236}">
-                  <a16:creationId xmlns:a16="http://schemas.microsoft.com/office/drawing/2014/main" id="{5FAC80D7-DCFD-A876-072C-163987299395}"/>
-                </a:ext>
-              </a:extLst>
-            </p:cNvPr>
-            <p:cNvSpPr txBox="1">
-              <a:spLocks/>
-            </p:cNvSpPr>
+            <p:cNvPr id="25" name="テキスト プレースホルダー 1"/>
+            <p:cNvSpPr txBox="1"/>
             <p:nvPr/>
           </p:nvSpPr>
           <p:spPr>
@@ -5634,11 +5446,11 @@
           <p:txBody>
             <a:bodyPr anchor="ctr"/>
             <a:lstStyle>
-              <a:lvl1pPr marL="0" indent="0" algn="l" defTabSz="609630" rtl="0" eaLnBrk="1" latinLnBrk="0" hangingPunct="1">
+              <a:lvl1pPr marL="0" indent="0" algn="l" defTabSz="609600" rtl="0" eaLnBrk="1" latinLnBrk="0" hangingPunct="1">
                 <a:spcBef>
                   <a:spcPct val="20000"/>
                 </a:spcBef>
-                <a:buFont typeface="Arial" pitchFamily="34" charset="0"/>
+                <a:buFont typeface="Arial" panose="020B0604020202020204" pitchFamily="34" charset="0"/>
                 <a:buNone/>
                 <a:defRPr kumimoji="1" sz="3600" kern="1200">
                   <a:solidFill>
@@ -5649,13 +5461,13 @@
                   <a:cs typeface="+mn-cs"/>
                 </a:defRPr>
               </a:lvl1pPr>
-              <a:lvl2pPr marL="495325" indent="-190510" algn="l" defTabSz="609630" rtl="0" eaLnBrk="1" latinLnBrk="0" hangingPunct="1">
+              <a:lvl2pPr marL="495300" indent="-190500" algn="l" defTabSz="609600" rtl="0" eaLnBrk="1" latinLnBrk="0" hangingPunct="1">
                 <a:spcBef>
                   <a:spcPct val="20000"/>
                 </a:spcBef>
-                <a:buFont typeface="Arial" pitchFamily="34" charset="0"/>
+                <a:buFont typeface="Arial" panose="020B0604020202020204" pitchFamily="34" charset="0"/>
                 <a:buChar char="–"/>
-                <a:defRPr kumimoji="1" sz="1867" kern="1200">
+                <a:defRPr kumimoji="1" sz="1865" kern="1200">
                   <a:solidFill>
                     <a:schemeClr val="tx1"/>
                   </a:solidFill>
@@ -5664,11 +5476,11 @@
                   <a:cs typeface="+mn-cs"/>
                 </a:defRPr>
               </a:lvl2pPr>
-              <a:lvl3pPr marL="762038" indent="-152408" algn="l" defTabSz="609630" rtl="0" eaLnBrk="1" latinLnBrk="0" hangingPunct="1">
+              <a:lvl3pPr marL="762000" indent="-152400" algn="l" defTabSz="609600" rtl="0" eaLnBrk="1" latinLnBrk="0" hangingPunct="1">
                 <a:spcBef>
                   <a:spcPct val="20000"/>
                 </a:spcBef>
-                <a:buFont typeface="Arial" pitchFamily="34" charset="0"/>
+                <a:buFont typeface="Arial" panose="020B0604020202020204" pitchFamily="34" charset="0"/>
                 <a:buChar char="•"/>
                 <a:defRPr kumimoji="1" sz="1600" kern="1200">
                   <a:solidFill>
@@ -5679,13 +5491,13 @@
                   <a:cs typeface="+mn-cs"/>
                 </a:defRPr>
               </a:lvl3pPr>
-              <a:lvl4pPr marL="1066853" indent="-152408" algn="l" defTabSz="609630" rtl="0" eaLnBrk="1" latinLnBrk="0" hangingPunct="1">
+              <a:lvl4pPr marL="1066800" indent="-152400" algn="l" defTabSz="609600" rtl="0" eaLnBrk="1" latinLnBrk="0" hangingPunct="1">
                 <a:spcBef>
                   <a:spcPct val="20000"/>
                 </a:spcBef>
-                <a:buFont typeface="Arial" pitchFamily="34" charset="0"/>
+                <a:buFont typeface="Arial" panose="020B0604020202020204" pitchFamily="34" charset="0"/>
                 <a:buChar char="–"/>
-                <a:defRPr kumimoji="1" sz="1333" kern="1200">
+                <a:defRPr kumimoji="1" sz="1335" kern="1200">
                   <a:solidFill>
                     <a:schemeClr val="tx1"/>
                   </a:solidFill>
@@ -5694,13 +5506,13 @@
                   <a:cs typeface="+mn-cs"/>
                 </a:defRPr>
               </a:lvl4pPr>
-              <a:lvl5pPr marL="1371669" indent="-152408" algn="l" defTabSz="609630" rtl="0" eaLnBrk="1" latinLnBrk="0" hangingPunct="1">
+              <a:lvl5pPr marL="1371600" indent="-152400" algn="l" defTabSz="609600" rtl="0" eaLnBrk="1" latinLnBrk="0" hangingPunct="1">
                 <a:spcBef>
                   <a:spcPct val="20000"/>
                 </a:spcBef>
-                <a:buFont typeface="Arial" pitchFamily="34" charset="0"/>
+                <a:buFont typeface="Arial" panose="020B0604020202020204" pitchFamily="34" charset="0"/>
                 <a:buChar char="»"/>
-                <a:defRPr kumimoji="1" sz="1333" kern="1200">
+                <a:defRPr kumimoji="1" sz="1335" kern="1200">
                   <a:solidFill>
                     <a:schemeClr val="tx1"/>
                   </a:solidFill>
@@ -5709,13 +5521,13 @@
                   <a:cs typeface="+mn-cs"/>
                 </a:defRPr>
               </a:lvl5pPr>
-              <a:lvl6pPr marL="1676484" indent="-152408" algn="l" defTabSz="609630" rtl="0" eaLnBrk="1" latinLnBrk="0" hangingPunct="1">
+              <a:lvl6pPr marL="1676400" indent="-152400" algn="l" defTabSz="609600" rtl="0" eaLnBrk="1" latinLnBrk="0" hangingPunct="1">
                 <a:spcBef>
                   <a:spcPct val="20000"/>
                 </a:spcBef>
-                <a:buFont typeface="Arial" pitchFamily="34" charset="0"/>
+                <a:buFont typeface="Arial" panose="020B0604020202020204" pitchFamily="34" charset="0"/>
                 <a:buChar char="•"/>
-                <a:defRPr kumimoji="1" sz="1333" kern="1200">
+                <a:defRPr kumimoji="1" sz="1335" kern="1200">
                   <a:solidFill>
                     <a:schemeClr val="tx1"/>
                   </a:solidFill>
@@ -5724,13 +5536,13 @@
                   <a:cs typeface="+mn-cs"/>
                 </a:defRPr>
               </a:lvl6pPr>
-              <a:lvl7pPr marL="1981299" indent="-152408" algn="l" defTabSz="609630" rtl="0" eaLnBrk="1" latinLnBrk="0" hangingPunct="1">
+              <a:lvl7pPr marL="1981200" indent="-152400" algn="l" defTabSz="609600" rtl="0" eaLnBrk="1" latinLnBrk="0" hangingPunct="1">
                 <a:spcBef>
                   <a:spcPct val="20000"/>
                 </a:spcBef>
-                <a:buFont typeface="Arial" pitchFamily="34" charset="0"/>
+                <a:buFont typeface="Arial" panose="020B0604020202020204" pitchFamily="34" charset="0"/>
                 <a:buChar char="•"/>
-                <a:defRPr kumimoji="1" sz="1333" kern="1200">
+                <a:defRPr kumimoji="1" sz="1335" kern="1200">
                   <a:solidFill>
                     <a:schemeClr val="tx1"/>
                   </a:solidFill>
@@ -5739,13 +5551,13 @@
                   <a:cs typeface="+mn-cs"/>
                 </a:defRPr>
               </a:lvl7pPr>
-              <a:lvl8pPr marL="2286114" indent="-152408" algn="l" defTabSz="609630" rtl="0" eaLnBrk="1" latinLnBrk="0" hangingPunct="1">
+              <a:lvl8pPr marL="2286000" indent="-152400" algn="l" defTabSz="609600" rtl="0" eaLnBrk="1" latinLnBrk="0" hangingPunct="1">
                 <a:spcBef>
                   <a:spcPct val="20000"/>
                 </a:spcBef>
-                <a:buFont typeface="Arial" pitchFamily="34" charset="0"/>
+                <a:buFont typeface="Arial" panose="020B0604020202020204" pitchFamily="34" charset="0"/>
                 <a:buChar char="•"/>
-                <a:defRPr kumimoji="1" sz="1333" kern="1200">
+                <a:defRPr kumimoji="1" sz="1335" kern="1200">
                   <a:solidFill>
                     <a:schemeClr val="tx1"/>
                   </a:solidFill>
@@ -5754,13 +5566,13 @@
                   <a:cs typeface="+mn-cs"/>
                 </a:defRPr>
               </a:lvl8pPr>
-              <a:lvl9pPr marL="2590930" indent="-152408" algn="l" defTabSz="609630" rtl="0" eaLnBrk="1" latinLnBrk="0" hangingPunct="1">
+              <a:lvl9pPr marL="2590800" indent="-152400" algn="l" defTabSz="609600" rtl="0" eaLnBrk="1" latinLnBrk="0" hangingPunct="1">
                 <a:spcBef>
                   <a:spcPct val="20000"/>
                 </a:spcBef>
-                <a:buFont typeface="Arial" pitchFamily="34" charset="0"/>
+                <a:buFont typeface="Arial" panose="020B0604020202020204" pitchFamily="34" charset="0"/>
                 <a:buChar char="•"/>
-                <a:defRPr kumimoji="1" sz="1333" kern="1200">
+                <a:defRPr kumimoji="1" sz="1335" kern="1200">
                   <a:solidFill>
                     <a:schemeClr val="tx1"/>
                   </a:solidFill>
@@ -5787,16 +5599,8 @@
       </p:grpSp>
       <p:cxnSp>
         <p:nvCxnSpPr>
-          <p:cNvPr id="11" name="直線コネクタ 10">
-            <a:extLst>
-              <a:ext uri="{FF2B5EF4-FFF2-40B4-BE49-F238E27FC236}">
-                <a16:creationId xmlns:a16="http://schemas.microsoft.com/office/drawing/2014/main" id="{04B00389-C97D-F092-98A7-9AC2AD50886D}"/>
-              </a:ext>
-            </a:extLst>
-          </p:cNvPr>
-          <p:cNvCxnSpPr>
-            <a:cxnSpLocks/>
-          </p:cNvCxnSpPr>
+          <p:cNvPr id="11" name="直線コネクタ 10"/>
+          <p:cNvCxnSpPr/>
           <p:nvPr/>
         </p:nvCxnSpPr>
         <p:spPr>
@@ -5832,13 +5636,7 @@
       </p:cxnSp>
       <p:sp>
         <p:nvSpPr>
-          <p:cNvPr id="7" name="スライド番号プレースホルダー 7">
-            <a:extLst>
-              <a:ext uri="{FF2B5EF4-FFF2-40B4-BE49-F238E27FC236}">
-                <a16:creationId xmlns:a16="http://schemas.microsoft.com/office/drawing/2014/main" id="{A29CA176-A0A2-0A43-0F8D-8478C7FFDCB8}"/>
-              </a:ext>
-            </a:extLst>
-          </p:cNvPr>
+          <p:cNvPr id="7" name="スライド番号プレースホルダー 7"/>
           <p:cNvSpPr>
             <a:spLocks noGrp="1"/>
           </p:cNvSpPr>
@@ -5868,8 +5666,6 @@
           <a:p>
             <a:fld id="{6408349E-6932-463E-ABE1-6FC2A2453113}" type="slidenum">
               <a:rPr kumimoji="1" lang="ja-JP" altLang="en-US" smtClean="0"/>
-              <a:pPr/>
-              <a:t>12</a:t>
             </a:fld>
             <a:endParaRPr kumimoji="1" lang="ja-JP" altLang="en-US"/>
           </a:p>
@@ -5877,13 +5673,7 @@
       </p:sp>
       <p:sp>
         <p:nvSpPr>
-          <p:cNvPr id="6" name="楕円 5">
-            <a:extLst>
-              <a:ext uri="{FF2B5EF4-FFF2-40B4-BE49-F238E27FC236}">
-                <a16:creationId xmlns:a16="http://schemas.microsoft.com/office/drawing/2014/main" id="{9FA5496F-93CB-0DB0-BC91-F3752452EEEF}"/>
-              </a:ext>
-            </a:extLst>
-          </p:cNvPr>
+          <p:cNvPr id="6" name="楕円 5"/>
           <p:cNvSpPr/>
           <p:nvPr/>
         </p:nvSpPr>
@@ -5923,6 +5713,7 @@
               <a:rPr kumimoji="1" lang="en-US" altLang="ja-JP" sz="1800" dirty="0"/>
               <a:t>100</a:t>
             </a:r>
+            <a:endParaRPr kumimoji="1" lang="en-US" altLang="ja-JP" sz="1800" dirty="0"/>
           </a:p>
           <a:p>
             <a:pPr algn="ctr"/>
@@ -5936,13 +5727,7 @@
       </p:sp>
       <p:grpSp>
         <p:nvGrpSpPr>
-          <p:cNvPr id="21" name="グループ化 20">
-            <a:extLst>
-              <a:ext uri="{FF2B5EF4-FFF2-40B4-BE49-F238E27FC236}">
-                <a16:creationId xmlns:a16="http://schemas.microsoft.com/office/drawing/2014/main" id="{EA482AFA-F762-C3A0-8436-D911F8F40F27}"/>
-              </a:ext>
-            </a:extLst>
-          </p:cNvPr>
+          <p:cNvPr id="21" name="グループ化 20"/>
           <p:cNvGrpSpPr/>
           <p:nvPr/>
         </p:nvGrpSpPr>
@@ -5957,13 +5742,7 @@
         </p:grpSpPr>
         <p:sp>
           <p:nvSpPr>
-            <p:cNvPr id="18" name="楕円 17">
-              <a:extLst>
-                <a:ext uri="{FF2B5EF4-FFF2-40B4-BE49-F238E27FC236}">
-                  <a16:creationId xmlns:a16="http://schemas.microsoft.com/office/drawing/2014/main" id="{8B169C3B-20F6-9499-1D8F-C0103E46FEE4}"/>
-                </a:ext>
-              </a:extLst>
-            </p:cNvPr>
+            <p:cNvPr id="18" name="楕円 17"/>
             <p:cNvSpPr/>
             <p:nvPr/>
           </p:nvSpPr>
@@ -5999,6 +5778,7 @@
                 <a:rPr kumimoji="1" lang="en-US" altLang="ja-JP" sz="1800" dirty="0"/>
                 <a:t>100</a:t>
               </a:r>
+              <a:endParaRPr kumimoji="1" lang="en-US" altLang="ja-JP" sz="1800" dirty="0"/>
             </a:p>
             <a:p>
               <a:pPr algn="ctr"/>
@@ -6012,13 +5792,7 @@
         </p:sp>
         <p:sp>
           <p:nvSpPr>
-            <p:cNvPr id="17" name="楕円 16">
-              <a:extLst>
-                <a:ext uri="{FF2B5EF4-FFF2-40B4-BE49-F238E27FC236}">
-                  <a16:creationId xmlns:a16="http://schemas.microsoft.com/office/drawing/2014/main" id="{80A10C62-B8AC-4FD4-F126-849F0624B6B2}"/>
-                </a:ext>
-              </a:extLst>
-            </p:cNvPr>
+            <p:cNvPr id="17" name="楕円 16"/>
             <p:cNvSpPr/>
             <p:nvPr/>
           </p:nvSpPr>
@@ -6054,6 +5828,7 @@
                 <a:rPr kumimoji="1" lang="en-US" altLang="ja-JP" sz="1400" dirty="0"/>
                 <a:t>1 </a:t>
               </a:r>
+              <a:endParaRPr kumimoji="1" lang="en-US" altLang="ja-JP" sz="1400" dirty="0"/>
             </a:p>
             <a:p>
               <a:pPr algn="ctr"/>
@@ -6067,13 +5842,7 @@
         </p:sp>
         <p:sp>
           <p:nvSpPr>
-            <p:cNvPr id="20" name="フリーフォーム: 図形 19">
-              <a:extLst>
-                <a:ext uri="{FF2B5EF4-FFF2-40B4-BE49-F238E27FC236}">
-                  <a16:creationId xmlns:a16="http://schemas.microsoft.com/office/drawing/2014/main" id="{E7819AF3-C817-10B8-EFA6-9039D0068365}"/>
-                </a:ext>
-              </a:extLst>
-            </p:cNvPr>
+            <p:cNvPr id="20" name="フリーフォーム: 図形 19"/>
             <p:cNvSpPr/>
             <p:nvPr/>
           </p:nvSpPr>
@@ -6163,13 +5932,7 @@
       </p:grpSp>
       <p:sp>
         <p:nvSpPr>
-          <p:cNvPr id="2" name="正方形/長方形 1">
-            <a:extLst>
-              <a:ext uri="{FF2B5EF4-FFF2-40B4-BE49-F238E27FC236}">
-                <a16:creationId xmlns:a16="http://schemas.microsoft.com/office/drawing/2014/main" id="{A82DAB31-250B-EEEE-80F3-874AF26BCD7C}"/>
-              </a:ext>
-            </a:extLst>
-          </p:cNvPr>
+          <p:cNvPr id="2" name="正方形/長方形 1"/>
           <p:cNvSpPr/>
           <p:nvPr/>
         </p:nvSpPr>
@@ -6207,11 +5970,6 @@
         </p:txBody>
       </p:sp>
     </p:spTree>
-    <p:extLst>
-      <p:ext uri="{BB962C8B-B14F-4D97-AF65-F5344CB8AC3E}">
-        <p14:creationId xmlns:p14="http://schemas.microsoft.com/office/powerpoint/2010/main" val="2174341510"/>
-      </p:ext>
-    </p:extLst>
   </p:cSld>
   <p:clrMapOvr>
     <a:masterClrMapping/>
@@ -6238,13 +5996,7 @@
       </p:grpSpPr>
       <p:sp>
         <p:nvSpPr>
-          <p:cNvPr id="4" name="タイトル 3">
-            <a:extLst>
-              <a:ext uri="{FF2B5EF4-FFF2-40B4-BE49-F238E27FC236}">
-                <a16:creationId xmlns:a16="http://schemas.microsoft.com/office/drawing/2014/main" id="{6B502ADB-AF47-A521-948A-7CE52341C702}"/>
-              </a:ext>
-            </a:extLst>
-          </p:cNvPr>
+          <p:cNvPr id="4" name="タイトル 3"/>
           <p:cNvSpPr>
             <a:spLocks noGrp="1"/>
           </p:cNvSpPr>
@@ -6261,18 +6013,13 @@
               <a:rPr kumimoji="1" lang="ja-JP" altLang="en-US" dirty="0"/>
               <a:t>パラドクスだった！</a:t>
             </a:r>
-          </a:p>
-        </p:txBody>
-      </p:sp>
-      <p:sp>
-        <p:nvSpPr>
-          <p:cNvPr id="7" name="スライド番号プレースホルダー 6">
-            <a:extLst>
-              <a:ext uri="{FF2B5EF4-FFF2-40B4-BE49-F238E27FC236}">
-                <a16:creationId xmlns:a16="http://schemas.microsoft.com/office/drawing/2014/main" id="{40062891-9EDD-6E1F-08F3-935B26951E6E}"/>
-              </a:ext>
-            </a:extLst>
-          </p:cNvPr>
+            <a:endParaRPr kumimoji="1" lang="ja-JP" altLang="en-US" dirty="0"/>
+          </a:p>
+        </p:txBody>
+      </p:sp>
+      <p:sp>
+        <p:nvSpPr>
+          <p:cNvPr id="7" name="スライド番号プレースホルダー 6"/>
           <p:cNvSpPr>
             <a:spLocks noGrp="1"/>
           </p:cNvSpPr>
@@ -6287,8 +6034,6 @@
           <a:p>
             <a:fld id="{6408349E-6932-463E-ABE1-6FC2A2453113}" type="slidenum">
               <a:rPr kumimoji="1" lang="ja-JP" altLang="en-US" smtClean="0"/>
-              <a:pPr/>
-              <a:t>13</a:t>
             </a:fld>
             <a:endParaRPr kumimoji="1" lang="ja-JP" altLang="en-US"/>
           </a:p>
@@ -6296,13 +6041,7 @@
       </p:sp>
       <p:sp>
         <p:nvSpPr>
-          <p:cNvPr id="12" name="正方形/長方形 11">
-            <a:extLst>
-              <a:ext uri="{FF2B5EF4-FFF2-40B4-BE49-F238E27FC236}">
-                <a16:creationId xmlns:a16="http://schemas.microsoft.com/office/drawing/2014/main" id="{C3FA60F9-C24A-8D98-78D8-6DC701C1C20F}"/>
-              </a:ext>
-            </a:extLst>
-          </p:cNvPr>
+          <p:cNvPr id="12" name="正方形/長方形 11"/>
           <p:cNvSpPr/>
           <p:nvPr/>
         </p:nvSpPr>
@@ -6363,18 +6102,13 @@
               <a:rPr kumimoji="1" lang="ja-JP" altLang="en-US" sz="2400" dirty="0"/>
               <a:t>落ちる．</a:t>
             </a:r>
-          </a:p>
-        </p:txBody>
-      </p:sp>
-      <p:sp>
-        <p:nvSpPr>
-          <p:cNvPr id="15" name="正方形/長方形 14">
-            <a:extLst>
-              <a:ext uri="{FF2B5EF4-FFF2-40B4-BE49-F238E27FC236}">
-                <a16:creationId xmlns:a16="http://schemas.microsoft.com/office/drawing/2014/main" id="{4F1DA84F-6334-6AB2-D86E-FEBE74B15DA5}"/>
-              </a:ext>
-            </a:extLst>
-          </p:cNvPr>
+            <a:endParaRPr kumimoji="1" lang="ja-JP" altLang="en-US" sz="2400" dirty="0"/>
+          </a:p>
+        </p:txBody>
+      </p:sp>
+      <p:sp>
+        <p:nvSpPr>
+          <p:cNvPr id="15" name="正方形/長方形 14"/>
           <p:cNvSpPr/>
           <p:nvPr/>
         </p:nvSpPr>
@@ -6435,20 +6169,14 @@
               <a:rPr kumimoji="1" lang="ja-JP" altLang="en-US" sz="2400" dirty="0"/>
               <a:t>落ちる．</a:t>
             </a:r>
+            <a:endParaRPr kumimoji="1" lang="ja-JP" altLang="en-US" sz="2400" dirty="0"/>
           </a:p>
         </p:txBody>
       </p:sp>
       <p:cxnSp>
         <p:nvCxnSpPr>
-          <p:cNvPr id="8" name="直線コネクタ 7">
-            <a:extLst>
-              <a:ext uri="{FF2B5EF4-FFF2-40B4-BE49-F238E27FC236}">
-                <a16:creationId xmlns:a16="http://schemas.microsoft.com/office/drawing/2014/main" id="{212D98F1-34E2-6F98-543D-9B10F4CFA61A}"/>
-              </a:ext>
-            </a:extLst>
-          </p:cNvPr>
+          <p:cNvPr id="8" name="直線コネクタ 7"/>
           <p:cNvCxnSpPr>
-            <a:cxnSpLocks/>
             <a:endCxn id="12" idx="0"/>
           </p:cNvCxnSpPr>
           <p:nvPr/>
@@ -6486,15 +6214,8 @@
       </p:cxnSp>
       <p:cxnSp>
         <p:nvCxnSpPr>
-          <p:cNvPr id="9" name="直線コネクタ 8">
-            <a:extLst>
-              <a:ext uri="{FF2B5EF4-FFF2-40B4-BE49-F238E27FC236}">
-                <a16:creationId xmlns:a16="http://schemas.microsoft.com/office/drawing/2014/main" id="{10A5D3AF-18A9-E77C-0092-7A5EB2837F6A}"/>
-              </a:ext>
-            </a:extLst>
-          </p:cNvPr>
+          <p:cNvPr id="9" name="直線コネクタ 8"/>
           <p:cNvCxnSpPr>
-            <a:cxnSpLocks/>
             <a:endCxn id="15" idx="0"/>
           </p:cNvCxnSpPr>
           <p:nvPr/>
@@ -6532,13 +6253,7 @@
       </p:cxnSp>
       <p:sp>
         <p:nvSpPr>
-          <p:cNvPr id="2" name="正方形/長方形 1">
-            <a:extLst>
-              <a:ext uri="{FF2B5EF4-FFF2-40B4-BE49-F238E27FC236}">
-                <a16:creationId xmlns:a16="http://schemas.microsoft.com/office/drawing/2014/main" id="{2B8DACF3-6787-F1A3-845D-CE067AA0F88D}"/>
-              </a:ext>
-            </a:extLst>
-          </p:cNvPr>
+          <p:cNvPr id="2" name="正方形/長方形 1"/>
           <p:cNvSpPr/>
           <p:nvPr/>
         </p:nvSpPr>
@@ -6550,7 +6265,6 @@
           <a:prstGeom prst="rect">
             <a:avLst/>
           </a:prstGeom>
-          <a:ln/>
         </p:spPr>
         <p:style>
           <a:lnRef idx="2">
@@ -6581,13 +6295,7 @@
       </p:sp>
       <p:sp>
         <p:nvSpPr>
-          <p:cNvPr id="45" name="矢印: 左右 44">
-            <a:extLst>
-              <a:ext uri="{FF2B5EF4-FFF2-40B4-BE49-F238E27FC236}">
-                <a16:creationId xmlns:a16="http://schemas.microsoft.com/office/drawing/2014/main" id="{DB8C525B-9DD7-E238-D480-03F03E223CA7}"/>
-              </a:ext>
-            </a:extLst>
-          </p:cNvPr>
+          <p:cNvPr id="45" name="矢印: 左右 44"/>
           <p:cNvSpPr/>
           <p:nvPr/>
         </p:nvSpPr>
@@ -6626,18 +6334,13 @@
               <a:rPr kumimoji="1" lang="ja-JP" altLang="en-US" sz="2800" dirty="0"/>
               <a:t>逆</a:t>
             </a:r>
-          </a:p>
-        </p:txBody>
-      </p:sp>
-      <p:sp>
-        <p:nvSpPr>
-          <p:cNvPr id="47" name="正方形/長方形 46">
-            <a:extLst>
-              <a:ext uri="{FF2B5EF4-FFF2-40B4-BE49-F238E27FC236}">
-                <a16:creationId xmlns:a16="http://schemas.microsoft.com/office/drawing/2014/main" id="{B7A1486C-C0DF-4181-DCCC-4CE96EB3F993}"/>
-              </a:ext>
-            </a:extLst>
-          </p:cNvPr>
+            <a:endParaRPr kumimoji="1" lang="ja-JP" altLang="en-US" sz="2800" dirty="0"/>
+          </a:p>
+        </p:txBody>
+      </p:sp>
+      <p:sp>
+        <p:nvSpPr>
+          <p:cNvPr id="47" name="正方形/長方形 46"/>
           <p:cNvSpPr/>
           <p:nvPr/>
         </p:nvSpPr>
@@ -6681,15 +6384,11 @@
               <a:rPr kumimoji="1" lang="ja-JP" altLang="en-US" sz="3200" dirty="0"/>
               <a:t>が生じている！</a:t>
             </a:r>
+            <a:endParaRPr kumimoji="1" lang="ja-JP" altLang="en-US" sz="3200" dirty="0"/>
           </a:p>
         </p:txBody>
       </p:sp>
     </p:spTree>
-    <p:extLst>
-      <p:ext uri="{BB962C8B-B14F-4D97-AF65-F5344CB8AC3E}">
-        <p14:creationId xmlns:p14="http://schemas.microsoft.com/office/powerpoint/2010/main" val="254530392"/>
-      </p:ext>
-    </p:extLst>
   </p:cSld>
   <p:clrMapOvr>
     <a:masterClrMapping/>
@@ -6857,6 +6556,7 @@
               <a:rPr kumimoji="1" lang="ja-JP" altLang="en-US"/>
               <a:t>実験は条件を合わせる必要がある</a:t>
             </a:r>
+            <a:endParaRPr kumimoji="1" lang="ja-JP" altLang="en-US"/>
           </a:p>
         </p:txBody>
       </p:sp>
@@ -7005,7 +6705,6 @@
           <a:p>
             <a:fld id="{6408349E-6932-463E-ABE1-6FC2A2453113}" type="slidenum">
               <a:rPr kumimoji="1" lang="ja-JP" altLang="en-US" smtClean="0"/>
-              <a:t>14</a:t>
             </a:fld>
             <a:endParaRPr kumimoji="1" lang="ja-JP" altLang="en-US"/>
           </a:p>
@@ -7100,7 +6799,7 @@
             </a:r>
             <a:r>
               <a:rPr lang="en-US" altLang="ja-JP" dirty="0">
-                <a:hlinkClick r:id="rId2"/>
+                <a:hlinkClick r:id="rId1"/>
               </a:rPr>
               <a:t>https://youtu.be/E43-CfukEgs?t=172</a:t>
             </a:r>
@@ -7149,6 +6848,10 @@
               </a:rPr>
               <a:t>Brian Cox visits the world's biggest vacuum | Human Universe - BBC</a:t>
             </a:r>
+            <a:endParaRPr lang="en-US" altLang="ja-JP" sz="2000">
+              <a:ea typeface="+mn-lt"/>
+              <a:cs typeface="+mn-lt"/>
+            </a:endParaRPr>
           </a:p>
           <a:p>
             <a:pPr algn="ctr"/>
@@ -7218,7 +6921,6 @@
           <a:p>
             <a:fld id="{6408349E-6932-463E-ABE1-6FC2A2453113}" type="slidenum">
               <a:rPr kumimoji="1" lang="ja-JP" altLang="en-US" smtClean="0"/>
-              <a:t>15</a:t>
             </a:fld>
             <a:endParaRPr kumimoji="1" lang="ja-JP" altLang="en-US"/>
           </a:p>
@@ -7273,11 +6975,17 @@
               <a:buNone/>
             </a:pPr>
             <a:r>
-              <a:rPr lang="ja-JP" altLang="en-US"/>
-              <a:t>大きい石と小さい石，</a:t>
-            </a:r>
-            <a:r>
-              <a:rPr lang="ja-JP" altLang="en-US">
+              <a:rPr lang="ja-JP" altLang="en-US" dirty="0"/>
+              <a:t>同じ大きさの鉄球とビー玉，</a:t>
+            </a:r>
+            <a:endParaRPr lang="en-US" altLang="ja-JP" dirty="0"/>
+          </a:p>
+          <a:p>
+            <a:pPr marL="0" indent="0">
+              <a:buNone/>
+            </a:pPr>
+            <a:r>
+              <a:rPr lang="ja-JP" altLang="en-US" dirty="0">
                 <a:solidFill>
                   <a:schemeClr val="accent6"/>
                 </a:solidFill>
@@ -7285,9 +6993,10 @@
               <a:t>どちらが速く落ちる</a:t>
             </a:r>
             <a:r>
-              <a:rPr lang="ja-JP" altLang="en-US"/>
+              <a:rPr lang="ja-JP" altLang="en-US" dirty="0"/>
               <a:t>？</a:t>
             </a:r>
+            <a:endParaRPr lang="ja-JP" altLang="en-US" dirty="0"/>
           </a:p>
         </p:txBody>
       </p:sp>
@@ -7310,6 +7019,7 @@
               <a:rPr kumimoji="1" lang="ja-JP" altLang="en-US"/>
               <a:t>質問</a:t>
             </a:r>
+            <a:endParaRPr kumimoji="1" lang="ja-JP" altLang="en-US"/>
           </a:p>
         </p:txBody>
       </p:sp>
@@ -7401,7 +7111,6 @@
           <a:p>
             <a:fld id="{6408349E-6932-463E-ABE1-6FC2A2453113}" type="slidenum">
               <a:rPr kumimoji="1" lang="ja-JP" altLang="en-US" smtClean="0"/>
-              <a:t>16</a:t>
             </a:fld>
             <a:endParaRPr kumimoji="1" lang="ja-JP" altLang="en-US"/>
           </a:p>
@@ -7444,8 +7153,8 @@
         </p:nvSpPr>
         <p:spPr>
           <a:xfrm>
-            <a:off x="0" y="2312064"/>
-            <a:ext cx="9906000" cy="2233869"/>
+            <a:off x="0" y="1177294"/>
+            <a:ext cx="9906000" cy="3689218"/>
           </a:xfrm>
         </p:spPr>
         <p:txBody>
@@ -7456,21 +7165,40 @@
               <a:buNone/>
             </a:pPr>
             <a:r>
-              <a:rPr lang="ja-JP" altLang="en-US"/>
+              <a:rPr lang="ja-JP" altLang="en-US" dirty="0"/>
               <a:t>風船の上に本を乗せたら，</a:t>
             </a:r>
             <a:r>
-              <a:rPr lang="ja-JP" altLang="en-US">
+              <a:rPr lang="ja-JP" altLang="en-US" dirty="0">
                 <a:solidFill>
                   <a:schemeClr val="accent6"/>
                 </a:solidFill>
               </a:rPr>
-              <a:t>風船は</a:t>
-            </a:r>
-            <a:r>
-              <a:rPr lang="ja-JP" altLang="en-US"/>
+              <a:t>風船</a:t>
+            </a:r>
+            <a:endParaRPr lang="en-US" altLang="ja-JP" dirty="0">
+              <a:solidFill>
+                <a:schemeClr val="accent6"/>
+              </a:solidFill>
+            </a:endParaRPr>
+          </a:p>
+          <a:p>
+            <a:pPr marL="0" indent="0">
+              <a:buNone/>
+            </a:pPr>
+            <a:r>
+              <a:rPr lang="ja-JP" altLang="en-US" dirty="0">
+                <a:solidFill>
+                  <a:schemeClr val="accent6"/>
+                </a:solidFill>
+              </a:rPr>
+              <a:t>は</a:t>
+            </a:r>
+            <a:r>
+              <a:rPr lang="ja-JP" altLang="en-US" dirty="0"/>
               <a:t>どうなった？</a:t>
             </a:r>
+            <a:endParaRPr lang="ja-JP" altLang="en-US" dirty="0"/>
           </a:p>
         </p:txBody>
       </p:sp>
@@ -7493,6 +7221,7 @@
               <a:rPr kumimoji="1" lang="ja-JP" altLang="en-US" dirty="0"/>
               <a:t>実験考察</a:t>
             </a:r>
+            <a:endParaRPr kumimoji="1" lang="ja-JP" altLang="en-US" dirty="0"/>
           </a:p>
         </p:txBody>
       </p:sp>
@@ -7541,6 +7270,7 @@
               <a:rPr kumimoji="1" lang="ja-JP" altLang="en-US" sz="3200"/>
               <a:t>についてまで考えられるとなお良い．</a:t>
             </a:r>
+            <a:endParaRPr kumimoji="1" lang="ja-JP" altLang="en-US" sz="3200"/>
           </a:p>
         </p:txBody>
       </p:sp>
@@ -7575,7 +7305,6 @@
           <a:p>
             <a:fld id="{6408349E-6932-463E-ABE1-6FC2A2453113}" type="slidenum">
               <a:rPr kumimoji="1" lang="ja-JP" altLang="en-US" smtClean="0"/>
-              <a:t>17</a:t>
             </a:fld>
             <a:endParaRPr kumimoji="1" lang="ja-JP" altLang="en-US"/>
           </a:p>
@@ -7658,6 +7387,7 @@
               <a:rPr lang="ja-JP" altLang="en-US" sz="11500"/>
               <a:t>！</a:t>
             </a:r>
+            <a:endParaRPr lang="ja-JP" altLang="en-US" sz="11500"/>
           </a:p>
         </p:txBody>
       </p:sp>
@@ -7761,7 +7491,6 @@
           <a:p>
             <a:fld id="{6408349E-6932-463E-ABE1-6FC2A2453113}" type="slidenum">
               <a:rPr kumimoji="1" lang="ja-JP" altLang="en-US" smtClean="0"/>
-              <a:t>18</a:t>
             </a:fld>
             <a:endParaRPr kumimoji="1" lang="ja-JP" altLang="en-US"/>
           </a:p>
@@ -7812,15 +7541,15 @@
               <a:buChar char="•"/>
             </a:pPr>
             <a:r>
-              <a:rPr lang="en-US" altLang="ja-JP"/>
+              <a:rPr lang="en-US" altLang="ja-JP" dirty="0"/>
               <a:t>1</a:t>
             </a:r>
             <a:r>
-              <a:rPr lang="ja-JP" altLang="en-US"/>
+              <a:rPr lang="ja-JP" altLang="en-US" dirty="0"/>
               <a:t>つの物体がもう一方の物体に力を加えると，</a:t>
             </a:r>
             <a:r>
-              <a:rPr lang="ja-JP" altLang="en-US">
+              <a:rPr lang="ja-JP" altLang="en-US" dirty="0">
                 <a:solidFill>
                   <a:schemeClr val="accent6"/>
                 </a:solidFill>
@@ -7828,11 +7557,11 @@
               <a:t>同じ大きさ</a:t>
             </a:r>
             <a:r>
-              <a:rPr lang="ja-JP" altLang="en-US"/>
+              <a:rPr lang="ja-JP" altLang="en-US" dirty="0"/>
               <a:t>，</a:t>
             </a:r>
             <a:r>
-              <a:rPr lang="ja-JP" altLang="en-US">
+              <a:rPr lang="ja-JP" altLang="en-US" dirty="0">
                 <a:solidFill>
                   <a:schemeClr val="accent6"/>
                 </a:solidFill>
@@ -7840,10 +7569,10 @@
               <a:t>逆向きの力</a:t>
             </a:r>
             <a:r>
-              <a:rPr lang="ja-JP" altLang="en-US"/>
+              <a:rPr lang="ja-JP" altLang="en-US" dirty="0"/>
               <a:t>がはたらく．</a:t>
             </a:r>
-            <a:endParaRPr lang="en-US" altLang="ja-JP"/>
+            <a:endParaRPr lang="en-US" altLang="ja-JP" dirty="0"/>
           </a:p>
           <a:p>
             <a:pPr marL="696595" indent="-696595">
@@ -7851,11 +7580,11 @@
               <a:buChar char="•"/>
             </a:pPr>
             <a:r>
-              <a:rPr lang="ja-JP" altLang="en-US"/>
+              <a:rPr lang="ja-JP" altLang="en-US" dirty="0"/>
               <a:t>これを</a:t>
             </a:r>
             <a:r>
-              <a:rPr lang="ja-JP" altLang="en-US">
+              <a:rPr lang="ja-JP" altLang="en-US" dirty="0">
                 <a:solidFill>
                   <a:schemeClr val="accent6"/>
                 </a:solidFill>
@@ -7863,10 +7592,10 @@
               <a:t>作用・反作用の法則</a:t>
             </a:r>
             <a:r>
-              <a:rPr lang="ja-JP" altLang="en-US"/>
+              <a:rPr lang="ja-JP" altLang="en-US" dirty="0"/>
               <a:t>という．</a:t>
             </a:r>
-            <a:endParaRPr lang="en-US" altLang="ja-JP"/>
+            <a:endParaRPr lang="en-US" altLang="ja-JP" dirty="0"/>
           </a:p>
         </p:txBody>
       </p:sp>
@@ -8042,7 +7771,6 @@
           <a:p>
             <a:fld id="{6408349E-6932-463E-ABE1-6FC2A2453113}" type="slidenum">
               <a:rPr kumimoji="1" lang="ja-JP" altLang="en-US" smtClean="0"/>
-              <a:t>19</a:t>
             </a:fld>
             <a:endParaRPr kumimoji="1" lang="ja-JP" altLang="en-US"/>
           </a:p>
@@ -8096,12 +7824,47 @@
               </a:rPr>
               <a:t>実験</a:t>
             </a:r>
+            <a:endParaRPr kumimoji="1" lang="ja-JP" altLang="en-US">
+              <a:solidFill>
+                <a:srgbClr val="00B0F0"/>
+              </a:solidFill>
+            </a:endParaRPr>
           </a:p>
         </p:txBody>
       </p:sp>
       <p:pic>
         <p:nvPicPr>
           <p:cNvPr id="2" name="図 1"/>
+          <p:cNvPicPr>
+            <a:picLocks noChangeAspect="1"/>
+          </p:cNvPicPr>
+          <p:nvPr/>
+        </p:nvPicPr>
+        <p:blipFill>
+          <a:blip r:embed="rId1">
+            <a:extLst>
+              <a:ext uri="{28A0092B-C50C-407E-A947-70E740481C1C}">
+                <a14:useLocalDpi xmlns:a14="http://schemas.microsoft.com/office/drawing/2010/main" val="0"/>
+              </a:ext>
+            </a:extLst>
+          </a:blip>
+          <a:stretch>
+            <a:fillRect/>
+          </a:stretch>
+        </p:blipFill>
+        <p:spPr>
+          <a:xfrm rot="17559786">
+            <a:off x="3503889" y="3030425"/>
+            <a:ext cx="2898222" cy="2898222"/>
+          </a:xfrm>
+          <a:prstGeom prst="rect">
+            <a:avLst/>
+          </a:prstGeom>
+        </p:spPr>
+      </p:pic>
+      <p:pic>
+        <p:nvPicPr>
+          <p:cNvPr id="5" name="図 4"/>
           <p:cNvPicPr>
             <a:picLocks noChangeAspect="1"/>
           </p:cNvPicPr>
@@ -8120,36 +7883,6 @@
           </a:stretch>
         </p:blipFill>
         <p:spPr>
-          <a:xfrm rot="17559786">
-            <a:off x="3503889" y="3030425"/>
-            <a:ext cx="2898222" cy="2898222"/>
-          </a:xfrm>
-          <a:prstGeom prst="rect">
-            <a:avLst/>
-          </a:prstGeom>
-        </p:spPr>
-      </p:pic>
-      <p:pic>
-        <p:nvPicPr>
-          <p:cNvPr id="5" name="図 4"/>
-          <p:cNvPicPr>
-            <a:picLocks noChangeAspect="1"/>
-          </p:cNvPicPr>
-          <p:nvPr/>
-        </p:nvPicPr>
-        <p:blipFill>
-          <a:blip r:embed="rId3">
-            <a:extLst>
-              <a:ext uri="{28A0092B-C50C-407E-A947-70E740481C1C}">
-                <a14:useLocalDpi xmlns:a14="http://schemas.microsoft.com/office/drawing/2010/main" val="0"/>
-              </a:ext>
-            </a:extLst>
-          </a:blip>
-          <a:stretch>
-            <a:fillRect/>
-          </a:stretch>
-        </p:blipFill>
-        <p:spPr>
           <a:xfrm rot="16200000">
             <a:off x="4071863" y="1788930"/>
             <a:ext cx="1762272" cy="3388985"/>
@@ -8190,9 +7923,34 @@
           <a:p>
             <a:fld id="{6408349E-6932-463E-ABE1-6FC2A2453113}" type="slidenum">
               <a:rPr kumimoji="1" lang="ja-JP" altLang="en-US" smtClean="0"/>
-              <a:t>2</a:t>
             </a:fld>
             <a:endParaRPr kumimoji="1" lang="ja-JP" altLang="en-US"/>
+          </a:p>
+        </p:txBody>
+      </p:sp>
+      <p:sp>
+        <p:nvSpPr>
+          <p:cNvPr id="7" name="テキスト プレースホルダー 6"/>
+          <p:cNvSpPr>
+            <a:spLocks noGrp="1"/>
+          </p:cNvSpPr>
+          <p:nvPr>
+            <p:ph type="body" sz="quarter" idx="22"/>
+          </p:nvPr>
+        </p:nvSpPr>
+        <p:spPr>
+          <a:prstGeom prst="rect">
+            <a:avLst/>
+          </a:prstGeom>
+        </p:spPr>
+        <p:txBody>
+          <a:bodyPr/>
+          <a:p>
+            <a:r>
+              <a:rPr lang="en-US" altLang="ja-JP"/>
+              <a:t>https://www.irasutoya.com</a:t>
+            </a:r>
+            <a:endParaRPr lang="ja-JP" altLang="en-US"/>
           </a:p>
         </p:txBody>
       </p:sp>
@@ -8230,7 +7988,7 @@
           <p:nvPr/>
         </p:nvPicPr>
         <p:blipFill>
-          <a:blip r:embed="rId2">
+          <a:blip r:embed="rId1">
             <a:extLst>
               <a:ext uri="{28A0092B-C50C-407E-A947-70E740481C1C}">
                 <a14:useLocalDpi xmlns:a14="http://schemas.microsoft.com/office/drawing/2010/main" val="0"/>
@@ -8309,7 +8067,7 @@
           <p:nvPr/>
         </p:nvPicPr>
         <p:blipFill>
-          <a:blip r:embed="rId3">
+          <a:blip r:embed="rId2">
             <a:extLst>
               <a:ext uri="{28A0092B-C50C-407E-A947-70E740481C1C}">
                 <a14:useLocalDpi xmlns:a14="http://schemas.microsoft.com/office/drawing/2010/main" val="0"/>
@@ -8414,6 +8172,11 @@
               </a:rPr>
               <a:t>地面</a:t>
             </a:r>
+            <a:endParaRPr kumimoji="1" lang="ja-JP" altLang="en-US" sz="2400">
+              <a:solidFill>
+                <a:srgbClr val="996633"/>
+              </a:solidFill>
+            </a:endParaRPr>
           </a:p>
         </p:txBody>
       </p:sp>
@@ -8653,6 +8416,11 @@
               </a:rPr>
               <a:t>反作用</a:t>
             </a:r>
+            <a:endParaRPr kumimoji="1" lang="ja-JP" altLang="en-US" sz="2800">
+              <a:solidFill>
+                <a:schemeClr val="accent1"/>
+              </a:solidFill>
+            </a:endParaRPr>
           </a:p>
         </p:txBody>
       </p:sp>
@@ -8702,6 +8470,11 @@
               </a:rPr>
               <a:t>作用</a:t>
             </a:r>
+            <a:endParaRPr kumimoji="1" lang="ja-JP" altLang="en-US" sz="2800">
+              <a:solidFill>
+                <a:schemeClr val="accent6"/>
+              </a:solidFill>
+            </a:endParaRPr>
           </a:p>
         </p:txBody>
       </p:sp>
@@ -8752,6 +8525,11 @@
               </a:rPr>
               <a:t>拡大</a:t>
             </a:r>
+            <a:endParaRPr kumimoji="1" lang="ja-JP" altLang="en-US" sz="2800">
+              <a:solidFill>
+                <a:schemeClr val="accent6"/>
+              </a:solidFill>
+            </a:endParaRPr>
           </a:p>
         </p:txBody>
       </p:sp>
@@ -8865,9 +8643,34 @@
           <a:p>
             <a:fld id="{6408349E-6932-463E-ABE1-6FC2A2453113}" type="slidenum">
               <a:rPr kumimoji="1" lang="ja-JP" altLang="en-US" smtClean="0"/>
-              <a:t>20</a:t>
             </a:fld>
             <a:endParaRPr kumimoji="1" lang="ja-JP" altLang="en-US"/>
+          </a:p>
+        </p:txBody>
+      </p:sp>
+      <p:sp>
+        <p:nvSpPr>
+          <p:cNvPr id="7" name="テキスト プレースホルダー 6"/>
+          <p:cNvSpPr>
+            <a:spLocks noGrp="1"/>
+          </p:cNvSpPr>
+          <p:nvPr>
+            <p:ph type="body" sz="quarter" idx="22"/>
+          </p:nvPr>
+        </p:nvSpPr>
+        <p:spPr>
+          <a:prstGeom prst="rect">
+            <a:avLst/>
+          </a:prstGeom>
+        </p:spPr>
+        <p:txBody>
+          <a:bodyPr/>
+          <a:p>
+            <a:r>
+              <a:rPr lang="en-US" altLang="ja-JP"/>
+              <a:t>https://www.irasutoya.com</a:t>
+            </a:r>
+            <a:endParaRPr lang="ja-JP" altLang="en-US"/>
           </a:p>
         </p:txBody>
       </p:sp>
@@ -8943,6 +8746,7 @@
               <a:rPr lang="ja-JP" altLang="en-US"/>
               <a:t>つ答えよ．</a:t>
             </a:r>
+            <a:endParaRPr lang="ja-JP" altLang="en-US"/>
           </a:p>
         </p:txBody>
       </p:sp>
@@ -9061,7 +8865,6 @@
           <a:p>
             <a:fld id="{6408349E-6932-463E-ABE1-6FC2A2453113}" type="slidenum">
               <a:rPr kumimoji="1" lang="ja-JP" altLang="en-US" smtClean="0"/>
-              <a:t>21</a:t>
             </a:fld>
             <a:endParaRPr kumimoji="1" lang="ja-JP" altLang="en-US"/>
           </a:p>
@@ -9127,6 +8930,7 @@
               <a:rPr lang="ja-JP" altLang="en-US"/>
               <a:t>で力が「はたらく」ことはあるか答えよ．</a:t>
             </a:r>
+            <a:endParaRPr lang="ja-JP" altLang="en-US"/>
           </a:p>
         </p:txBody>
       </p:sp>
@@ -9245,7 +9049,6 @@
           <a:p>
             <a:fld id="{6408349E-6932-463E-ABE1-6FC2A2453113}" type="slidenum">
               <a:rPr kumimoji="1" lang="ja-JP" altLang="en-US" smtClean="0"/>
-              <a:t>22</a:t>
             </a:fld>
             <a:endParaRPr kumimoji="1" lang="ja-JP" altLang="en-US"/>
           </a:p>
@@ -9315,6 +9118,7 @@
               <a:rPr lang="ja-JP" altLang="en-US" dirty="0"/>
               <a:t>を答えよ．</a:t>
             </a:r>
+            <a:endParaRPr lang="ja-JP" altLang="en-US" dirty="0"/>
           </a:p>
         </p:txBody>
       </p:sp>
@@ -9433,7 +9237,6 @@
           <a:p>
             <a:fld id="{6408349E-6932-463E-ABE1-6FC2A2453113}" type="slidenum">
               <a:rPr kumimoji="1" lang="ja-JP" altLang="en-US" smtClean="0"/>
-              <a:t>23</a:t>
             </a:fld>
             <a:endParaRPr kumimoji="1" lang="ja-JP" altLang="en-US"/>
           </a:p>
@@ -9519,6 +9322,7 @@
               <a:rPr lang="ja-JP" altLang="en-US"/>
               <a:t>つ答えよ．</a:t>
             </a:r>
+            <a:endParaRPr lang="ja-JP" altLang="en-US"/>
           </a:p>
         </p:txBody>
       </p:sp>
@@ -9637,7 +9441,6 @@
           <a:p>
             <a:fld id="{6408349E-6932-463E-ABE1-6FC2A2453113}" type="slidenum">
               <a:rPr kumimoji="1" lang="ja-JP" altLang="en-US" smtClean="0"/>
-              <a:t>24</a:t>
             </a:fld>
             <a:endParaRPr kumimoji="1" lang="ja-JP" altLang="en-US"/>
           </a:p>
@@ -9707,6 +9510,7 @@
               <a:rPr lang="ja-JP" altLang="en-US"/>
               <a:t>」と言った．</a:t>
             </a:r>
+            <a:endParaRPr lang="ja-JP" altLang="en-US"/>
           </a:p>
         </p:txBody>
       </p:sp>
@@ -9825,7 +9629,6 @@
           <a:p>
             <a:fld id="{6408349E-6932-463E-ABE1-6FC2A2453113}" type="slidenum">
               <a:rPr kumimoji="1" lang="ja-JP" altLang="en-US" smtClean="0"/>
-              <a:t>25</a:t>
             </a:fld>
             <a:endParaRPr kumimoji="1" lang="ja-JP" altLang="en-US"/>
           </a:p>
@@ -9996,6 +9799,7 @@
               <a:rPr lang="ja-JP" altLang="en-US" sz="3600"/>
               <a:t>で力がはたらく．</a:t>
             </a:r>
+            <a:endParaRPr lang="ja-JP" altLang="en-US" sz="3600"/>
           </a:p>
           <a:p>
             <a:pPr>
@@ -10015,6 +9819,7 @@
               <a:rPr lang="ja-JP" altLang="en-US" sz="3600"/>
               <a:t>という．</a:t>
             </a:r>
+            <a:endParaRPr lang="ja-JP" altLang="en-US" sz="3600"/>
           </a:p>
         </p:txBody>
       </p:sp>
@@ -10072,7 +9877,6 @@
           <a:p>
             <a:fld id="{6408349E-6932-463E-ABE1-6FC2A2453113}" type="slidenum">
               <a:rPr kumimoji="1" lang="ja-JP" altLang="en-US" smtClean="0"/>
-              <a:t>26</a:t>
             </a:fld>
             <a:endParaRPr kumimoji="1" lang="ja-JP" altLang="en-US"/>
           </a:p>
@@ -10409,13 +10213,7 @@
       </p:grpSpPr>
       <p:sp>
         <p:nvSpPr>
-          <p:cNvPr id="2" name="タイトル 1">
-            <a:extLst>
-              <a:ext uri="{FF2B5EF4-FFF2-40B4-BE49-F238E27FC236}">
-                <a16:creationId xmlns:a16="http://schemas.microsoft.com/office/drawing/2014/main" id="{8C47CE7D-B93C-0337-3CF1-00DD16EB2D2E}"/>
-              </a:ext>
-            </a:extLst>
-          </p:cNvPr>
+          <p:cNvPr id="2" name="タイトル 1"/>
           <p:cNvSpPr>
             <a:spLocks noGrp="1"/>
           </p:cNvSpPr>
@@ -10432,15 +10230,11 @@
               <a:rPr kumimoji="1" lang="ja-JP" altLang="en-US" dirty="0"/>
               <a:t>終</a:t>
             </a:r>
+            <a:endParaRPr kumimoji="1" lang="ja-JP" altLang="en-US" dirty="0"/>
           </a:p>
         </p:txBody>
       </p:sp>
     </p:spTree>
-    <p:extLst>
-      <p:ext uri="{BB962C8B-B14F-4D97-AF65-F5344CB8AC3E}">
-        <p14:creationId xmlns:p14="http://schemas.microsoft.com/office/powerpoint/2010/main" val="2902576434"/>
-      </p:ext>
-    </p:extLst>
   </p:cSld>
   <p:clrMapOvr>
     <a:masterClrMapping/>
@@ -10488,12 +10282,47 @@
               </a:rPr>
               <a:t>実験</a:t>
             </a:r>
+            <a:endParaRPr kumimoji="1" lang="ja-JP" altLang="en-US">
+              <a:solidFill>
+                <a:srgbClr val="00B0F0"/>
+              </a:solidFill>
+            </a:endParaRPr>
           </a:p>
         </p:txBody>
       </p:sp>
       <p:pic>
         <p:nvPicPr>
           <p:cNvPr id="2" name="図 1"/>
+          <p:cNvPicPr>
+            <a:picLocks noChangeAspect="1"/>
+          </p:cNvPicPr>
+          <p:nvPr/>
+        </p:nvPicPr>
+        <p:blipFill>
+          <a:blip r:embed="rId1">
+            <a:extLst>
+              <a:ext uri="{28A0092B-C50C-407E-A947-70E740481C1C}">
+                <a14:useLocalDpi xmlns:a14="http://schemas.microsoft.com/office/drawing/2010/main" val="0"/>
+              </a:ext>
+            </a:extLst>
+          </a:blip>
+          <a:stretch>
+            <a:fillRect/>
+          </a:stretch>
+        </p:blipFill>
+        <p:spPr>
+          <a:xfrm>
+            <a:off x="3323731" y="2778950"/>
+            <a:ext cx="3424305" cy="3134556"/>
+          </a:xfrm>
+          <a:prstGeom prst="rect">
+            <a:avLst/>
+          </a:prstGeom>
+        </p:spPr>
+      </p:pic>
+      <p:pic>
+        <p:nvPicPr>
+          <p:cNvPr id="5" name="図 4"/>
           <p:cNvPicPr>
             <a:picLocks noChangeAspect="1"/>
           </p:cNvPicPr>
@@ -10512,36 +10341,6 @@
           </a:stretch>
         </p:blipFill>
         <p:spPr>
-          <a:xfrm>
-            <a:off x="3323731" y="2778950"/>
-            <a:ext cx="3424305" cy="3134556"/>
-          </a:xfrm>
-          <a:prstGeom prst="rect">
-            <a:avLst/>
-          </a:prstGeom>
-        </p:spPr>
-      </p:pic>
-      <p:pic>
-        <p:nvPicPr>
-          <p:cNvPr id="5" name="図 4"/>
-          <p:cNvPicPr>
-            <a:picLocks noChangeAspect="1"/>
-          </p:cNvPicPr>
-          <p:nvPr/>
-        </p:nvPicPr>
-        <p:blipFill>
-          <a:blip r:embed="rId3">
-            <a:extLst>
-              <a:ext uri="{28A0092B-C50C-407E-A947-70E740481C1C}">
-                <a14:useLocalDpi xmlns:a14="http://schemas.microsoft.com/office/drawing/2010/main" val="0"/>
-              </a:ext>
-            </a:extLst>
-          </a:blip>
-          <a:stretch>
-            <a:fillRect/>
-          </a:stretch>
-        </p:blipFill>
-        <p:spPr>
           <a:xfrm rot="16200000">
             <a:off x="4071863" y="2870530"/>
             <a:ext cx="1762272" cy="3388985"/>
@@ -10582,9 +10381,34 @@
           <a:p>
             <a:fld id="{6408349E-6932-463E-ABE1-6FC2A2453113}" type="slidenum">
               <a:rPr kumimoji="1" lang="ja-JP" altLang="en-US" smtClean="0"/>
-              <a:t>3</a:t>
             </a:fld>
             <a:endParaRPr kumimoji="1" lang="ja-JP" altLang="en-US"/>
+          </a:p>
+        </p:txBody>
+      </p:sp>
+      <p:sp>
+        <p:nvSpPr>
+          <p:cNvPr id="7" name="テキスト プレースホルダー 6"/>
+          <p:cNvSpPr>
+            <a:spLocks noGrp="1"/>
+          </p:cNvSpPr>
+          <p:nvPr>
+            <p:ph type="body" sz="quarter" idx="22"/>
+          </p:nvPr>
+        </p:nvSpPr>
+        <p:spPr>
+          <a:prstGeom prst="rect">
+            <a:avLst/>
+          </a:prstGeom>
+        </p:spPr>
+        <p:txBody>
+          <a:bodyPr/>
+          <a:p>
+            <a:r>
+              <a:rPr lang="en-US" altLang="ja-JP"/>
+              <a:t>https://www.irasutoya.com</a:t>
+            </a:r>
+            <a:endParaRPr lang="ja-JP" altLang="en-US"/>
           </a:p>
         </p:txBody>
       </p:sp>
@@ -10634,7 +10458,7 @@
               </a:buClr>
             </a:pPr>
             <a:r>
-              <a:rPr lang="ja-JP" altLang="en-US" sz="7200">
+              <a:rPr lang="ja-JP" altLang="en-US" sz="7200" dirty="0">
                 <a:solidFill>
                   <a:schemeClr val="accent6"/>
                 </a:solidFill>
@@ -10642,10 +10466,10 @@
               <a:t>直感と反する現象</a:t>
             </a:r>
             <a:r>
-              <a:rPr lang="ja-JP" altLang="en-US" sz="7200"/>
+              <a:rPr lang="ja-JP" altLang="en-US" sz="7200" dirty="0"/>
               <a:t>を感じる！</a:t>
             </a:r>
-            <a:endParaRPr lang="en-US" altLang="ja-JP" sz="7200"/>
+            <a:endParaRPr lang="en-US" altLang="ja-JP" sz="7200" dirty="0"/>
           </a:p>
           <a:p>
             <a:pPr>
@@ -10654,7 +10478,7 @@
               </a:buClr>
             </a:pPr>
             <a:r>
-              <a:rPr lang="ja-JP" altLang="en-US" sz="7200">
+              <a:rPr lang="ja-JP" altLang="en-US" sz="7200" dirty="0">
                 <a:solidFill>
                   <a:schemeClr val="accent6"/>
                 </a:solidFill>
@@ -10662,9 +10486,10 @@
               <a:t>身近な現象を論理的に</a:t>
             </a:r>
             <a:r>
-              <a:rPr lang="ja-JP" altLang="en-US" sz="7200"/>
+              <a:rPr lang="ja-JP" altLang="en-US" sz="7200" dirty="0"/>
               <a:t>理解する！</a:t>
             </a:r>
+            <a:endParaRPr lang="ja-JP" altLang="en-US" sz="7200" dirty="0"/>
           </a:p>
         </p:txBody>
       </p:sp>
@@ -10722,7 +10547,6 @@
           <a:p>
             <a:fld id="{6408349E-6932-463E-ABE1-6FC2A2453113}" type="slidenum">
               <a:rPr kumimoji="1" lang="ja-JP" altLang="en-US" smtClean="0"/>
-              <a:t>4</a:t>
             </a:fld>
             <a:endParaRPr kumimoji="1" lang="ja-JP" altLang="en-US"/>
           </a:p>
@@ -10853,6 +10677,7 @@
               <a:rPr kumimoji="1" lang="ja-JP" altLang="en-US"/>
               <a:t>思考実験とは</a:t>
             </a:r>
+            <a:endParaRPr kumimoji="1" lang="ja-JP" altLang="en-US"/>
           </a:p>
         </p:txBody>
       </p:sp>
@@ -10925,7 +10750,6 @@
           <a:p>
             <a:fld id="{6408349E-6932-463E-ABE1-6FC2A2453113}" type="slidenum">
               <a:rPr kumimoji="1" lang="ja-JP" altLang="en-US" smtClean="0"/>
-              <a:t>5</a:t>
             </a:fld>
             <a:endParaRPr kumimoji="1" lang="ja-JP" altLang="en-US"/>
           </a:p>
@@ -10958,20 +10782,14 @@
       </p:grpSpPr>
       <p:pic>
         <p:nvPicPr>
-          <p:cNvPr id="3" name="Picture 2">
-            <a:extLst>
-              <a:ext uri="{FF2B5EF4-FFF2-40B4-BE49-F238E27FC236}">
-                <a16:creationId xmlns:a16="http://schemas.microsoft.com/office/drawing/2014/main" id="{F29EF41D-4A3C-FC61-5BD9-F4773D0611CC}"/>
-              </a:ext>
-            </a:extLst>
-          </p:cNvPr>
+          <p:cNvPr id="3" name="Picture 2"/>
           <p:cNvPicPr>
             <a:picLocks noChangeAspect="1" noChangeArrowheads="1"/>
           </p:cNvPicPr>
           <p:nvPr/>
         </p:nvPicPr>
         <p:blipFill>
-          <a:blip r:embed="rId2">
+          <a:blip r:embed="rId1">
             <a:extLst>
               <a:ext uri="{28A0092B-C50C-407E-A947-70E740481C1C}">
                 <a14:useLocalDpi xmlns:a14="http://schemas.microsoft.com/office/drawing/2010/main" val="0"/>
@@ -11042,23 +10860,23 @@
           <a:p>
             <a:pPr algn="ctr"/>
             <a:r>
-              <a:rPr kumimoji="1" lang="ja-JP" altLang="en-US" sz="3200"/>
-              <a:t>大きな石は</a:t>
-            </a:r>
-            <a:endParaRPr kumimoji="1" lang="en-US" altLang="ja-JP" sz="3200"/>
+              <a:rPr kumimoji="1" lang="ja-JP" altLang="en-US" sz="3200" dirty="0"/>
+              <a:t>重いモノは</a:t>
+            </a:r>
+            <a:endParaRPr kumimoji="1" lang="en-US" altLang="ja-JP" sz="3200" dirty="0"/>
           </a:p>
           <a:p>
             <a:pPr algn="ctr"/>
             <a:r>
-              <a:rPr kumimoji="1" lang="ja-JP" altLang="en-US" sz="3200"/>
-              <a:t>小さな石よりも</a:t>
-            </a:r>
-            <a:endParaRPr kumimoji="1" lang="en-US" altLang="ja-JP" sz="3200"/>
+              <a:rPr kumimoji="1" lang="ja-JP" altLang="en-US" sz="3200" dirty="0"/>
+              <a:t>軽いモノよりも</a:t>
+            </a:r>
+            <a:endParaRPr kumimoji="1" lang="en-US" altLang="ja-JP" sz="3200" dirty="0"/>
           </a:p>
           <a:p>
             <a:pPr algn="ctr"/>
             <a:r>
-              <a:rPr kumimoji="1" lang="ja-JP" altLang="en-US" sz="3200">
+              <a:rPr kumimoji="1" lang="ja-JP" altLang="en-US" sz="3200" dirty="0">
                 <a:solidFill>
                   <a:schemeClr val="accent6"/>
                 </a:solidFill>
@@ -11066,7 +10884,7 @@
               <a:t>速く落ちる</a:t>
             </a:r>
             <a:r>
-              <a:rPr kumimoji="1" lang="ja-JP" altLang="en-US" sz="3200">
+              <a:rPr kumimoji="1" lang="ja-JP" altLang="en-US" sz="3200" dirty="0">
                 <a:solidFill>
                   <a:schemeClr val="tx1"/>
                 </a:solidFill>
@@ -11074,9 +10892,10 @@
               <a:t>ん</a:t>
             </a:r>
             <a:r>
-              <a:rPr kumimoji="1" lang="ja-JP" altLang="en-US" sz="3200"/>
+              <a:rPr kumimoji="1" lang="ja-JP" altLang="en-US" sz="3200" dirty="0"/>
               <a:t>だ！</a:t>
             </a:r>
+            <a:endParaRPr kumimoji="1" lang="ja-JP" altLang="en-US" sz="3200" dirty="0"/>
           </a:p>
         </p:txBody>
       </p:sp>
@@ -11100,14 +10919,10 @@
           <a:lstStyle/>
           <a:p>
             <a:r>
-              <a:rPr lang="en-US" altLang="ja-JP" dirty="0">
-                <a:hlinkClick r:id="rId3"/>
-              </a:rPr>
-              <a:t>commons.wikimedia.org/wiki/File:Aristotle_Altemps_Inv8575.jpg</a:t>
-            </a:r>
-            <a:endParaRPr kumimoji="1" lang="en-US" altLang="ja-JP" dirty="0">
-              <a:hlinkClick r:id="rId3"/>
-            </a:endParaRPr>
+              <a:rPr kumimoji="1" lang="en-US" altLang="ja-JP" dirty="0"/>
+              <a:t>https://commons.wikimedia.org/wiki/File:Aristotle_Altemps_Inv8575.jpg</a:t>
+            </a:r>
+            <a:endParaRPr kumimoji="1" lang="en-US" altLang="ja-JP" dirty="0"/>
           </a:p>
         </p:txBody>
       </p:sp>
@@ -11186,7 +11001,6 @@
           <a:p>
             <a:fld id="{6408349E-6932-463E-ABE1-6FC2A2453113}" type="slidenum">
               <a:rPr kumimoji="1" lang="ja-JP" altLang="en-US" smtClean="0"/>
-              <a:t>6</a:t>
             </a:fld>
             <a:endParaRPr kumimoji="1" lang="ja-JP" altLang="en-US"/>
           </a:p>
@@ -11237,15 +11051,21 @@
           <a:bodyPr anchor="ctr"/>
           <a:lstStyle/>
           <a:p>
-            <a:pPr marL="0" indent="0">
+            <a:pPr marL="0" indent="0" algn="l">
               <a:buNone/>
             </a:pPr>
             <a:r>
-              <a:rPr lang="ja-JP" altLang="en-US"/>
-              <a:t>大きい石と小さい石，</a:t>
-            </a:r>
-            <a:r>
-              <a:rPr lang="ja-JP" altLang="en-US">
+              <a:rPr lang="ja-JP" altLang="en-US" dirty="0"/>
+              <a:t>同じ大きさの鉄球とビー玉，</a:t>
+            </a:r>
+            <a:endParaRPr lang="en-US" altLang="ja-JP" dirty="0"/>
+          </a:p>
+          <a:p>
+            <a:pPr marL="0" indent="0" algn="l">
+              <a:buNone/>
+            </a:pPr>
+            <a:r>
+              <a:rPr lang="ja-JP" altLang="en-US" dirty="0">
                 <a:solidFill>
                   <a:schemeClr val="accent6"/>
                 </a:solidFill>
@@ -11253,9 +11073,10 @@
               <a:t>どちらが速く落ちる</a:t>
             </a:r>
             <a:r>
-              <a:rPr lang="ja-JP" altLang="en-US"/>
+              <a:rPr lang="ja-JP" altLang="en-US" dirty="0"/>
               <a:t>？</a:t>
             </a:r>
+            <a:endParaRPr lang="ja-JP" altLang="en-US" dirty="0"/>
           </a:p>
         </p:txBody>
       </p:sp>
@@ -11278,6 +11099,7 @@
               <a:rPr kumimoji="1" lang="ja-JP" altLang="en-US"/>
               <a:t>質問</a:t>
             </a:r>
+            <a:endParaRPr kumimoji="1" lang="ja-JP" altLang="en-US"/>
           </a:p>
         </p:txBody>
       </p:sp>
@@ -11312,7 +11134,6 @@
           <a:p>
             <a:fld id="{6408349E-6932-463E-ABE1-6FC2A2453113}" type="slidenum">
               <a:rPr kumimoji="1" lang="ja-JP" altLang="en-US" smtClean="0"/>
-              <a:t>7</a:t>
             </a:fld>
             <a:endParaRPr kumimoji="1" lang="ja-JP" altLang="en-US"/>
           </a:p>
@@ -11345,20 +11166,14 @@
       </p:grpSpPr>
       <p:pic>
         <p:nvPicPr>
-          <p:cNvPr id="3" name="Picture 4">
-            <a:extLst>
-              <a:ext uri="{FF2B5EF4-FFF2-40B4-BE49-F238E27FC236}">
-                <a16:creationId xmlns:a16="http://schemas.microsoft.com/office/drawing/2014/main" id="{9332228B-2986-3084-F421-9C6F8C8EBDDF}"/>
-              </a:ext>
-            </a:extLst>
-          </p:cNvPr>
+          <p:cNvPr id="3" name="Picture 4"/>
           <p:cNvPicPr>
             <a:picLocks noChangeAspect="1" noChangeArrowheads="1"/>
           </p:cNvPicPr>
           <p:nvPr/>
         </p:nvPicPr>
         <p:blipFill rotWithShape="1">
-          <a:blip r:embed="rId2">
+          <a:blip r:embed="rId1">
             <a:extLst>
               <a:ext uri="{28A0092B-C50C-407E-A947-70E740481C1C}">
                 <a14:useLocalDpi xmlns:a14="http://schemas.microsoft.com/office/drawing/2010/main" val="0"/>
@@ -11410,10 +11225,8 @@
           <a:lstStyle/>
           <a:p>
             <a:r>
-              <a:rPr lang="en-US" altLang="ja-JP" dirty="0">
-                <a:hlinkClick r:id="rId3"/>
-              </a:rPr>
-              <a:t>commons.wikimedia.org/wiki/File:Galileo-sustermans2.jpg</a:t>
+              <a:rPr lang="en-US" altLang="ja-JP" dirty="0"/>
+              <a:t>https://commons.wikimedia.org/wiki/File:Galileo-sustermans2.jpg</a:t>
             </a:r>
             <a:endParaRPr kumimoji="1" lang="ja-JP" altLang="en-US" dirty="0"/>
           </a:p>
@@ -11473,6 +11286,11 @@
               </a:rPr>
               <a:t>して</a:t>
             </a:r>
+            <a:endParaRPr kumimoji="1" lang="ja-JP" altLang="en-US" sz="3200">
+              <a:solidFill>
+                <a:schemeClr val="tx1"/>
+              </a:solidFill>
+            </a:endParaRPr>
           </a:p>
           <a:p>
             <a:pPr algn="ctr"/>
@@ -11484,6 +11302,11 @@
               </a:rPr>
               <a:t>確かめる！</a:t>
             </a:r>
+            <a:endParaRPr kumimoji="1" lang="ja-JP" altLang="en-US" sz="3200">
+              <a:solidFill>
+                <a:schemeClr val="tx1"/>
+              </a:solidFill>
+            </a:endParaRPr>
           </a:p>
         </p:txBody>
       </p:sp>
@@ -11562,7 +11385,6 @@
           <a:p>
             <a:fld id="{6408349E-6932-463E-ABE1-6FC2A2453113}" type="slidenum">
               <a:rPr kumimoji="1" lang="ja-JP" altLang="en-US" smtClean="0"/>
-              <a:t>8</a:t>
             </a:fld>
             <a:endParaRPr kumimoji="1" lang="ja-JP" altLang="en-US"/>
           </a:p>
@@ -11641,7 +11463,7 @@
             </a:r>
             <a:r>
               <a:rPr lang="en-US" altLang="ja-JP">
-                <a:hlinkClick r:id="rId2"/>
+                <a:hlinkClick r:id="rId1"/>
               </a:rPr>
               <a:t>https://www.manabinoba.com/science/9720.html</a:t>
             </a:r>
@@ -11687,6 +11509,7 @@
               <a:rPr kumimoji="1" lang="en-US" altLang="ja-JP" sz="1800"/>
               <a:t>100</a:t>
             </a:r>
+            <a:endParaRPr kumimoji="1" lang="en-US" altLang="ja-JP" sz="1800"/>
           </a:p>
           <a:p>
             <a:pPr algn="ctr"/>
@@ -11736,6 +11559,7 @@
               <a:rPr kumimoji="1" lang="en-US" altLang="ja-JP" sz="1400"/>
               <a:t>1 </a:t>
             </a:r>
+            <a:endParaRPr kumimoji="1" lang="en-US" altLang="ja-JP" sz="1400"/>
           </a:p>
           <a:p>
             <a:pPr algn="ctr"/>
@@ -11815,6 +11639,7 @@
               <a:rPr kumimoji="1" lang="ja-JP" altLang="en-US" sz="2000"/>
               <a:t>同時に落下</a:t>
             </a:r>
+            <a:endParaRPr kumimoji="1" lang="ja-JP" altLang="en-US" sz="2000"/>
           </a:p>
         </p:txBody>
       </p:sp>
@@ -11923,7 +11748,6 @@
           <a:p>
             <a:fld id="{6408349E-6932-463E-ABE1-6FC2A2453113}" type="slidenum">
               <a:rPr kumimoji="1" lang="ja-JP" altLang="en-US" smtClean="0"/>
-              <a:t>9</a:t>
             </a:fld>
             <a:endParaRPr kumimoji="1" lang="ja-JP" altLang="en-US"/>
           </a:p>
@@ -12157,8 +11981,6 @@
       </a:bgFillStyleLst>
     </a:fmtScheme>
   </a:themeElements>
-  <a:objectDefaults/>
-  <a:extraClrSchemeLst/>
   <a:extLst>
     <a:ext uri="{05A4C25C-085E-4340-85A3-A5531E510DB2}">
       <thm15:themeFamily xmlns:thm15="http://schemas.microsoft.com/office/thememl/2012/main" name="Office Theme" id="{62F939B6-93AF-4DB8-9C6B-D6C7DFDC589F}" vid="{4A3C46E8-61CC-4603-A589-7422A47A8E4A}"/>
@@ -12439,7 +12261,6 @@
       </a:style>
     </a:lnDef>
   </a:objectDefaults>
-  <a:extraClrSchemeLst/>
   <a:extLst>
     <a:ext uri="{05A4C25C-085E-4340-85A3-A5531E510DB2}">
       <thm15:themeFamily xmlns:thm15="http://schemas.microsoft.com/office/thememl/2012/main" name="Office Theme" id="{62F939B6-93AF-4DB8-9C6B-D6C7DFDC589F}" vid="{4A3C46E8-61CC-4603-A589-7422A47A8E4A}"/>
@@ -12720,7 +12541,6 @@
       </a:style>
     </a:lnDef>
   </a:objectDefaults>
-  <a:extraClrSchemeLst/>
   <a:extLst>
     <a:ext uri="{05A4C25C-085E-4340-85A3-A5531E510DB2}">
       <thm15:themeFamily xmlns:thm15="http://schemas.microsoft.com/office/thememl/2012/main" name="Office Theme" id="{62F939B6-93AF-4DB8-9C6B-D6C7DFDC589F}" vid="{4A3C46E8-61CC-4603-A589-7422A47A8E4A}"/>
